--- a/kdx2020/KDX 공모전.pptx
+++ b/kdx2020/KDX 공모전.pptx
@@ -31,19 +31,19 @@
   <p:notesSz cx="6858000" cy="9144000"/>
   <p:embeddedFontLst>
     <p:embeddedFont>
-      <p:font typeface="Arial Black" panose="020B0A04020102020204" pitchFamily="34" charset="0"/>
-      <p:bold r:id="rId19"/>
+      <p:font typeface="Calibri" panose="020F0502020204030204" pitchFamily="34" charset="0"/>
+      <p:regular r:id="rId19"/>
+      <p:bold r:id="rId20"/>
+      <p:italic r:id="rId21"/>
+      <p:boldItalic r:id="rId22"/>
+    </p:embeddedFont>
+    <p:embeddedFont>
+      <p:font typeface="Felix Titling" panose="04060505060202020A04" pitchFamily="82" charset="0"/>
+      <p:regular r:id="rId23"/>
     </p:embeddedFont>
     <p:embeddedFont>
       <p:font typeface="Bahnschrift Light" panose="020B0502040204020203" pitchFamily="34" charset="0"/>
-      <p:regular r:id="rId20"/>
-    </p:embeddedFont>
-    <p:embeddedFont>
-      <p:font typeface="Calibri" panose="020F0502020204030204" pitchFamily="34" charset="0"/>
-      <p:regular r:id="rId21"/>
-      <p:bold r:id="rId22"/>
-      <p:italic r:id="rId23"/>
-      <p:boldItalic r:id="rId24"/>
+      <p:regular r:id="rId24"/>
     </p:embeddedFont>
     <p:embeddedFont>
       <p:font typeface="Calibri Light" panose="020F0302020204030204" pitchFamily="34" charset="0"/>
@@ -51,8 +51,8 @@
       <p:italic r:id="rId26"/>
     </p:embeddedFont>
     <p:embeddedFont>
-      <p:font typeface="Felix Titling" panose="04060505060202020A04" pitchFamily="82" charset="0"/>
-      <p:regular r:id="rId27"/>
+      <p:font typeface="Arial Black" panose="020B0A04020102020204" pitchFamily="34" charset="0"/>
+      <p:bold r:id="rId27"/>
     </p:embeddedFont>
     <p:embeddedFont>
       <p:font typeface="맑은 고딕" panose="020B0503020000020004" pitchFamily="50" charset="-127"/>
@@ -271,7 +271,7 @@
             <a:fld id="{D4CCFBE2-2B8D-499C-81C9-2CD5B3EB8E93}" type="datetimeFigureOut">
               <a:rPr lang="ko-KR" altLang="en-US" smtClean="0"/>
               <a:pPr/>
-              <a:t>2020-10-24</a:t>
+              <a:t>2020-10-25</a:t>
             </a:fld>
             <a:endParaRPr lang="ko-KR" altLang="en-US"/>
           </a:p>
@@ -438,7 +438,7 @@
             <a:fld id="{FB545AC5-813F-4ED1-B011-8EA17CB93331}" type="datetimeFigureOut">
               <a:rPr lang="ko-KR" altLang="en-US" smtClean="0"/>
               <a:pPr/>
-              <a:t>2020-10-24</a:t>
+              <a:t>2020-10-25</a:t>
             </a:fld>
             <a:endParaRPr lang="ko-KR" altLang="en-US"/>
           </a:p>
@@ -945,7 +945,7 @@
             <a:fld id="{ED3D6733-6F27-4404-AB51-585418F146E5}" type="datetimeFigureOut">
               <a:rPr lang="ko-KR" altLang="en-US" smtClean="0"/>
               <a:pPr/>
-              <a:t>2020-10-24</a:t>
+              <a:t>2020-10-25</a:t>
             </a:fld>
             <a:endParaRPr lang="ko-KR" altLang="en-US"/>
           </a:p>
@@ -1137,7 +1137,7 @@
             <a:fld id="{ED3D6733-6F27-4404-AB51-585418F146E5}" type="datetimeFigureOut">
               <a:rPr lang="ko-KR" altLang="en-US" smtClean="0"/>
               <a:pPr/>
-              <a:t>2020-10-24</a:t>
+              <a:t>2020-10-25</a:t>
             </a:fld>
             <a:endParaRPr lang="ko-KR" altLang="en-US"/>
           </a:p>
@@ -1267,7 +1267,7 @@
             <a:fld id="{ED3D6733-6F27-4404-AB51-585418F146E5}" type="datetimeFigureOut">
               <a:rPr lang="ko-KR" altLang="en-US" smtClean="0"/>
               <a:pPr/>
-              <a:t>2020-10-24</a:t>
+              <a:t>2020-10-25</a:t>
             </a:fld>
             <a:endParaRPr lang="ko-KR" altLang="en-US"/>
           </a:p>
@@ -1441,7 +1441,7 @@
             <a:fld id="{ED3D6733-6F27-4404-AB51-585418F146E5}" type="datetimeFigureOut">
               <a:rPr lang="ko-KR" altLang="en-US" smtClean="0"/>
               <a:pPr/>
-              <a:t>2020-10-24</a:t>
+              <a:t>2020-10-25</a:t>
             </a:fld>
             <a:endParaRPr lang="ko-KR" altLang="en-US"/>
           </a:p>
@@ -1700,7 +1700,7 @@
             <a:fld id="{ED3D6733-6F27-4404-AB51-585418F146E5}" type="datetimeFigureOut">
               <a:rPr lang="ko-KR" altLang="en-US" smtClean="0"/>
               <a:pPr/>
-              <a:t>2020-10-24</a:t>
+              <a:t>2020-10-25</a:t>
             </a:fld>
             <a:endParaRPr lang="ko-KR" altLang="en-US"/>
           </a:p>
@@ -2008,7 +2008,7 @@
             <a:fld id="{ED3D6733-6F27-4404-AB51-585418F146E5}" type="datetimeFigureOut">
               <a:rPr lang="ko-KR" altLang="en-US" smtClean="0"/>
               <a:pPr/>
-              <a:t>2020-10-24</a:t>
+              <a:t>2020-10-25</a:t>
             </a:fld>
             <a:endParaRPr lang="ko-KR" altLang="en-US"/>
           </a:p>
@@ -2281,7 +2281,7 @@
             <a:fld id="{ED3D6733-6F27-4404-AB51-585418F146E5}" type="datetimeFigureOut">
               <a:rPr lang="ko-KR" altLang="en-US" smtClean="0"/>
               <a:pPr/>
-              <a:t>2020-10-24</a:t>
+              <a:t>2020-10-25</a:t>
             </a:fld>
             <a:endParaRPr lang="ko-KR" altLang="en-US"/>
           </a:p>
@@ -2675,6 +2675,14 @@
               </a:rPr>
               <a:t>코로나로 변화된</a:t>
             </a:r>
+            <a:r>
+              <a:rPr lang="en-US" altLang="ko-KR" sz="4800" dirty="0">
+                <a:solidFill>
+                  <a:schemeClr val="tx2"/>
+                </a:solidFill>
+              </a:rPr>
+              <a:t/>
+            </a:r>
             <a:br>
               <a:rPr lang="en-US" altLang="ko-KR" sz="4800" dirty="0">
                 <a:solidFill>
@@ -2733,12 +2741,20 @@
               </a:spcAft>
             </a:pPr>
             <a:r>
-              <a:rPr kumimoji="1" lang="ko-KR" altLang="en-US" sz="1400" dirty="0" err="1">
+              <a:rPr kumimoji="1" lang="ko-KR" altLang="en-US" sz="1400" smtClean="0">
                 <a:latin typeface="Arial" pitchFamily="34" charset="0"/>
                 <a:ea typeface="맑은 고딕" pitchFamily="50" charset="-127"/>
                 <a:cs typeface="굴림" pitchFamily="50" charset="-127"/>
               </a:rPr>
-              <a:t>공모전팀</a:t>
+              <a:t>그거알았조</a:t>
+            </a:r>
+            <a:r>
+              <a:rPr kumimoji="1" lang="ko-KR" altLang="en-US" sz="1400" smtClean="0">
+                <a:latin typeface="Arial" pitchFamily="34" charset="0"/>
+                <a:ea typeface="맑은 고딕" pitchFamily="50" charset="-127"/>
+                <a:cs typeface="굴림" pitchFamily="50" charset="-127"/>
+              </a:rPr>
+              <a:t>팀</a:t>
             </a:r>
             <a:endParaRPr kumimoji="1" lang="en-US" altLang="ko-KR" sz="1400" dirty="0">
               <a:latin typeface="Arial" pitchFamily="34" charset="0"/>
@@ -2859,7 +2875,7 @@
           <p:cNvPr id="24" name="제목 2">
             <a:extLst>
               <a:ext uri="{FF2B5EF4-FFF2-40B4-BE49-F238E27FC236}">
-                <a16:creationId xmlns:a16="http://schemas.microsoft.com/office/drawing/2014/main" id="{51116939-259D-4C30-938F-2F38FD5293FA}"/>
+                <a16:creationId xmlns:a16="http://schemas.microsoft.com/office/drawing/2014/main" xmlns="" id="{51116939-259D-4C30-938F-2F38FD5293FA}"/>
               </a:ext>
             </a:extLst>
           </p:cNvPr>
@@ -2940,7 +2956,7 @@
           <p:cNvPr id="17" name="TextBox 16">
             <a:extLst>
               <a:ext uri="{FF2B5EF4-FFF2-40B4-BE49-F238E27FC236}">
-                <a16:creationId xmlns:a16="http://schemas.microsoft.com/office/drawing/2014/main" id="{E5456B5E-84EC-4DDB-8D63-4936B206CBF6}"/>
+                <a16:creationId xmlns:a16="http://schemas.microsoft.com/office/drawing/2014/main" xmlns="" id="{E5456B5E-84EC-4DDB-8D63-4936B206CBF6}"/>
               </a:ext>
             </a:extLst>
           </p:cNvPr>
@@ -3045,7 +3061,7 @@
           <p:cNvPr id="31" name="그룹 30">
             <a:extLst>
               <a:ext uri="{FF2B5EF4-FFF2-40B4-BE49-F238E27FC236}">
-                <a16:creationId xmlns:a16="http://schemas.microsoft.com/office/drawing/2014/main" id="{C02700F2-A83F-420E-8C11-A1CDB412A368}"/>
+                <a16:creationId xmlns:a16="http://schemas.microsoft.com/office/drawing/2014/main" xmlns="" id="{C02700F2-A83F-420E-8C11-A1CDB412A368}"/>
               </a:ext>
             </a:extLst>
           </p:cNvPr>
@@ -3065,7 +3081,7 @@
             <p:cNvPr id="32" name="그룹 31">
               <a:extLst>
                 <a:ext uri="{FF2B5EF4-FFF2-40B4-BE49-F238E27FC236}">
-                  <a16:creationId xmlns:a16="http://schemas.microsoft.com/office/drawing/2014/main" id="{A355C45D-8FA1-46E0-8D91-250F5EA01548}"/>
+                  <a16:creationId xmlns:a16="http://schemas.microsoft.com/office/drawing/2014/main" xmlns="" id="{A355C45D-8FA1-46E0-8D91-250F5EA01548}"/>
                 </a:ext>
               </a:extLst>
             </p:cNvPr>
@@ -3085,7 +3101,7 @@
               <p:cNvPr id="38" name="모서리가 둥근 직사각형 7">
                 <a:extLst>
                   <a:ext uri="{FF2B5EF4-FFF2-40B4-BE49-F238E27FC236}">
-                    <a16:creationId xmlns:a16="http://schemas.microsoft.com/office/drawing/2014/main" id="{C8DA4BF0-8664-4967-A6C3-606479D6E6CD}"/>
+                    <a16:creationId xmlns:a16="http://schemas.microsoft.com/office/drawing/2014/main" xmlns="" id="{C8DA4BF0-8664-4967-A6C3-606479D6E6CD}"/>
                   </a:ext>
                 </a:extLst>
               </p:cNvPr>
@@ -3145,7 +3161,7 @@
               <p:cNvPr id="39" name="모서리가 둥근 직사각형 8">
                 <a:extLst>
                   <a:ext uri="{FF2B5EF4-FFF2-40B4-BE49-F238E27FC236}">
-                    <a16:creationId xmlns:a16="http://schemas.microsoft.com/office/drawing/2014/main" id="{9C8C20BB-702C-4444-9C50-0ED0F5626024}"/>
+                    <a16:creationId xmlns:a16="http://schemas.microsoft.com/office/drawing/2014/main" xmlns="" id="{9C8C20BB-702C-4444-9C50-0ED0F5626024}"/>
                   </a:ext>
                 </a:extLst>
               </p:cNvPr>
@@ -3205,7 +3221,7 @@
               <p:cNvPr id="40" name="모서리가 둥근 직사각형 9">
                 <a:extLst>
                   <a:ext uri="{FF2B5EF4-FFF2-40B4-BE49-F238E27FC236}">
-                    <a16:creationId xmlns:a16="http://schemas.microsoft.com/office/drawing/2014/main" id="{DEC7B35A-5E4E-4556-A0BE-65CC7FC3DCEA}"/>
+                    <a16:creationId xmlns:a16="http://schemas.microsoft.com/office/drawing/2014/main" xmlns="" id="{DEC7B35A-5E4E-4556-A0BE-65CC7FC3DCEA}"/>
                   </a:ext>
                 </a:extLst>
               </p:cNvPr>
@@ -3266,7 +3282,7 @@
             <p:cNvPr id="33" name="제목 6">
               <a:extLst>
                 <a:ext uri="{FF2B5EF4-FFF2-40B4-BE49-F238E27FC236}">
-                  <a16:creationId xmlns:a16="http://schemas.microsoft.com/office/drawing/2014/main" id="{990D2B6B-D1AD-4CB1-9D52-97C6C97A3A5B}"/>
+                  <a16:creationId xmlns:a16="http://schemas.microsoft.com/office/drawing/2014/main" xmlns="" id="{990D2B6B-D1AD-4CB1-9D52-97C6C97A3A5B}"/>
                 </a:ext>
               </a:extLst>
             </p:cNvPr>
@@ -3333,7 +3349,7 @@
             <p:cNvPr id="34" name="제목 6">
               <a:extLst>
                 <a:ext uri="{FF2B5EF4-FFF2-40B4-BE49-F238E27FC236}">
-                  <a16:creationId xmlns:a16="http://schemas.microsoft.com/office/drawing/2014/main" id="{4FBBDAE7-D158-4F2B-B18A-C093FB38D1B5}"/>
+                  <a16:creationId xmlns:a16="http://schemas.microsoft.com/office/drawing/2014/main" xmlns="" id="{4FBBDAE7-D158-4F2B-B18A-C093FB38D1B5}"/>
                 </a:ext>
               </a:extLst>
             </p:cNvPr>
@@ -3400,7 +3416,7 @@
             <p:cNvPr id="35" name="제목 6">
               <a:extLst>
                 <a:ext uri="{FF2B5EF4-FFF2-40B4-BE49-F238E27FC236}">
-                  <a16:creationId xmlns:a16="http://schemas.microsoft.com/office/drawing/2014/main" id="{DB1CDFE6-3786-47C3-AB58-01D8C011FD40}"/>
+                  <a16:creationId xmlns:a16="http://schemas.microsoft.com/office/drawing/2014/main" xmlns="" id="{DB1CDFE6-3786-47C3-AB58-01D8C011FD40}"/>
                 </a:ext>
               </a:extLst>
             </p:cNvPr>
@@ -3467,7 +3483,7 @@
             <p:cNvPr id="36" name="사각형: 둥근 모서리 35">
               <a:extLst>
                 <a:ext uri="{FF2B5EF4-FFF2-40B4-BE49-F238E27FC236}">
-                  <a16:creationId xmlns:a16="http://schemas.microsoft.com/office/drawing/2014/main" id="{3BB11AB4-5836-4EE5-B3C1-AE66659938F3}"/>
+                  <a16:creationId xmlns:a16="http://schemas.microsoft.com/office/drawing/2014/main" xmlns="" id="{3BB11AB4-5836-4EE5-B3C1-AE66659938F3}"/>
                 </a:ext>
               </a:extLst>
             </p:cNvPr>
@@ -3543,7 +3559,7 @@
             <p:cNvPr id="37" name="직사각형 36">
               <a:extLst>
                 <a:ext uri="{FF2B5EF4-FFF2-40B4-BE49-F238E27FC236}">
-                  <a16:creationId xmlns:a16="http://schemas.microsoft.com/office/drawing/2014/main" id="{DCEE2252-454B-45AA-9974-CC77A7044012}"/>
+                  <a16:creationId xmlns:a16="http://schemas.microsoft.com/office/drawing/2014/main" xmlns="" id="{DCEE2252-454B-45AA-9974-CC77A7044012}"/>
                 </a:ext>
               </a:extLst>
             </p:cNvPr>
@@ -3629,7 +3645,7 @@
           <p:cNvPr id="24" name="제목 2">
             <a:extLst>
               <a:ext uri="{FF2B5EF4-FFF2-40B4-BE49-F238E27FC236}">
-                <a16:creationId xmlns:a16="http://schemas.microsoft.com/office/drawing/2014/main" id="{51116939-259D-4C30-938F-2F38FD5293FA}"/>
+                <a16:creationId xmlns:a16="http://schemas.microsoft.com/office/drawing/2014/main" xmlns="" id="{51116939-259D-4C30-938F-2F38FD5293FA}"/>
               </a:ext>
             </a:extLst>
           </p:cNvPr>
@@ -3681,7 +3697,7 @@
           <p:cNvPr id="14" name="TextBox 13">
             <a:extLst>
               <a:ext uri="{FF2B5EF4-FFF2-40B4-BE49-F238E27FC236}">
-                <a16:creationId xmlns:a16="http://schemas.microsoft.com/office/drawing/2014/main" id="{77CAAC4A-82DB-4961-9916-D93F1A0B4804}"/>
+                <a16:creationId xmlns:a16="http://schemas.microsoft.com/office/drawing/2014/main" xmlns="" id="{77CAAC4A-82DB-4961-9916-D93F1A0B4804}"/>
               </a:ext>
             </a:extLst>
           </p:cNvPr>
@@ -3867,7 +3883,7 @@
           <p:cNvPr id="32" name="그룹 31">
             <a:extLst>
               <a:ext uri="{FF2B5EF4-FFF2-40B4-BE49-F238E27FC236}">
-                <a16:creationId xmlns:a16="http://schemas.microsoft.com/office/drawing/2014/main" id="{B823701B-1765-40A4-A836-8A88E597ACBA}"/>
+                <a16:creationId xmlns:a16="http://schemas.microsoft.com/office/drawing/2014/main" xmlns="" id="{B823701B-1765-40A4-A836-8A88E597ACBA}"/>
               </a:ext>
             </a:extLst>
           </p:cNvPr>
@@ -3887,7 +3903,7 @@
             <p:cNvPr id="33" name="그룹 32">
               <a:extLst>
                 <a:ext uri="{FF2B5EF4-FFF2-40B4-BE49-F238E27FC236}">
-                  <a16:creationId xmlns:a16="http://schemas.microsoft.com/office/drawing/2014/main" id="{ACD2E389-2B20-4974-AB82-52CD48DE6FD9}"/>
+                  <a16:creationId xmlns:a16="http://schemas.microsoft.com/office/drawing/2014/main" xmlns="" id="{ACD2E389-2B20-4974-AB82-52CD48DE6FD9}"/>
                 </a:ext>
               </a:extLst>
             </p:cNvPr>
@@ -3907,7 +3923,7 @@
               <p:cNvPr id="39" name="모서리가 둥근 직사각형 7">
                 <a:extLst>
                   <a:ext uri="{FF2B5EF4-FFF2-40B4-BE49-F238E27FC236}">
-                    <a16:creationId xmlns:a16="http://schemas.microsoft.com/office/drawing/2014/main" id="{1157A0AA-D225-4E9A-B5A0-355B36E19B1A}"/>
+                    <a16:creationId xmlns:a16="http://schemas.microsoft.com/office/drawing/2014/main" xmlns="" id="{1157A0AA-D225-4E9A-B5A0-355B36E19B1A}"/>
                   </a:ext>
                 </a:extLst>
               </p:cNvPr>
@@ -3967,7 +3983,7 @@
               <p:cNvPr id="40" name="모서리가 둥근 직사각형 8">
                 <a:extLst>
                   <a:ext uri="{FF2B5EF4-FFF2-40B4-BE49-F238E27FC236}">
-                    <a16:creationId xmlns:a16="http://schemas.microsoft.com/office/drawing/2014/main" id="{7D7ADC80-CED2-4637-89DA-65A98DA46B16}"/>
+                    <a16:creationId xmlns:a16="http://schemas.microsoft.com/office/drawing/2014/main" xmlns="" id="{7D7ADC80-CED2-4637-89DA-65A98DA46B16}"/>
                   </a:ext>
                 </a:extLst>
               </p:cNvPr>
@@ -4027,7 +4043,7 @@
               <p:cNvPr id="41" name="모서리가 둥근 직사각형 9">
                 <a:extLst>
                   <a:ext uri="{FF2B5EF4-FFF2-40B4-BE49-F238E27FC236}">
-                    <a16:creationId xmlns:a16="http://schemas.microsoft.com/office/drawing/2014/main" id="{7D40B13E-D6F1-436E-83BE-004C9CE921CF}"/>
+                    <a16:creationId xmlns:a16="http://schemas.microsoft.com/office/drawing/2014/main" xmlns="" id="{7D40B13E-D6F1-436E-83BE-004C9CE921CF}"/>
                   </a:ext>
                 </a:extLst>
               </p:cNvPr>
@@ -4088,7 +4104,7 @@
             <p:cNvPr id="34" name="제목 6">
               <a:extLst>
                 <a:ext uri="{FF2B5EF4-FFF2-40B4-BE49-F238E27FC236}">
-                  <a16:creationId xmlns:a16="http://schemas.microsoft.com/office/drawing/2014/main" id="{7F5DDE53-CDC4-4B88-A1F8-61E30FB788DE}"/>
+                  <a16:creationId xmlns:a16="http://schemas.microsoft.com/office/drawing/2014/main" xmlns="" id="{7F5DDE53-CDC4-4B88-A1F8-61E30FB788DE}"/>
                 </a:ext>
               </a:extLst>
             </p:cNvPr>
@@ -4155,7 +4171,7 @@
             <p:cNvPr id="35" name="제목 6">
               <a:extLst>
                 <a:ext uri="{FF2B5EF4-FFF2-40B4-BE49-F238E27FC236}">
-                  <a16:creationId xmlns:a16="http://schemas.microsoft.com/office/drawing/2014/main" id="{AB86704B-520E-4346-9B13-BDEEE903AA16}"/>
+                  <a16:creationId xmlns:a16="http://schemas.microsoft.com/office/drawing/2014/main" xmlns="" id="{AB86704B-520E-4346-9B13-BDEEE903AA16}"/>
                 </a:ext>
               </a:extLst>
             </p:cNvPr>
@@ -4222,7 +4238,7 @@
             <p:cNvPr id="36" name="제목 6">
               <a:extLst>
                 <a:ext uri="{FF2B5EF4-FFF2-40B4-BE49-F238E27FC236}">
-                  <a16:creationId xmlns:a16="http://schemas.microsoft.com/office/drawing/2014/main" id="{2D2C528C-5DBD-404E-9B29-2B713A9C8B55}"/>
+                  <a16:creationId xmlns:a16="http://schemas.microsoft.com/office/drawing/2014/main" xmlns="" id="{2D2C528C-5DBD-404E-9B29-2B713A9C8B55}"/>
                 </a:ext>
               </a:extLst>
             </p:cNvPr>
@@ -4289,7 +4305,7 @@
             <p:cNvPr id="37" name="사각형: 둥근 모서리 36">
               <a:extLst>
                 <a:ext uri="{FF2B5EF4-FFF2-40B4-BE49-F238E27FC236}">
-                  <a16:creationId xmlns:a16="http://schemas.microsoft.com/office/drawing/2014/main" id="{40228FD3-2506-4EA9-B9EF-82C40AC747D1}"/>
+                  <a16:creationId xmlns:a16="http://schemas.microsoft.com/office/drawing/2014/main" xmlns="" id="{40228FD3-2506-4EA9-B9EF-82C40AC747D1}"/>
                 </a:ext>
               </a:extLst>
             </p:cNvPr>
@@ -4365,7 +4381,7 @@
             <p:cNvPr id="38" name="직사각형 37">
               <a:extLst>
                 <a:ext uri="{FF2B5EF4-FFF2-40B4-BE49-F238E27FC236}">
-                  <a16:creationId xmlns:a16="http://schemas.microsoft.com/office/drawing/2014/main" id="{1ED3002C-CD08-486B-882D-362181EC6CE1}"/>
+                  <a16:creationId xmlns:a16="http://schemas.microsoft.com/office/drawing/2014/main" xmlns="" id="{1ED3002C-CD08-486B-882D-362181EC6CE1}"/>
                 </a:ext>
               </a:extLst>
             </p:cNvPr>
@@ -4451,7 +4467,7 @@
           <p:cNvPr id="24" name="제목 2">
             <a:extLst>
               <a:ext uri="{FF2B5EF4-FFF2-40B4-BE49-F238E27FC236}">
-                <a16:creationId xmlns:a16="http://schemas.microsoft.com/office/drawing/2014/main" id="{51116939-259D-4C30-938F-2F38FD5293FA}"/>
+                <a16:creationId xmlns:a16="http://schemas.microsoft.com/office/drawing/2014/main" xmlns="" id="{51116939-259D-4C30-938F-2F38FD5293FA}"/>
               </a:ext>
             </a:extLst>
           </p:cNvPr>
@@ -4490,7 +4506,7 @@
           <p:cNvPr id="40" name="그림 39">
             <a:extLst>
               <a:ext uri="{FF2B5EF4-FFF2-40B4-BE49-F238E27FC236}">
-                <a16:creationId xmlns:a16="http://schemas.microsoft.com/office/drawing/2014/main" id="{D88E5488-25BF-4F28-8D02-C4E16274BB0B}"/>
+                <a16:creationId xmlns:a16="http://schemas.microsoft.com/office/drawing/2014/main" xmlns="" id="{D88E5488-25BF-4F28-8D02-C4E16274BB0B}"/>
               </a:ext>
             </a:extLst>
           </p:cNvPr>
@@ -4526,7 +4542,7 @@
           <p:cNvPr id="45" name="TextBox 44">
             <a:extLst>
               <a:ext uri="{FF2B5EF4-FFF2-40B4-BE49-F238E27FC236}">
-                <a16:creationId xmlns:a16="http://schemas.microsoft.com/office/drawing/2014/main" id="{08E7BD6A-B334-4D8C-ABCD-231BB39068BA}"/>
+                <a16:creationId xmlns:a16="http://schemas.microsoft.com/office/drawing/2014/main" xmlns="" id="{08E7BD6A-B334-4D8C-ABCD-231BB39068BA}"/>
               </a:ext>
             </a:extLst>
           </p:cNvPr>
@@ -4698,7 +4714,7 @@
           <p:cNvPr id="17" name="TextBox 16">
             <a:extLst>
               <a:ext uri="{FF2B5EF4-FFF2-40B4-BE49-F238E27FC236}">
-                <a16:creationId xmlns:a16="http://schemas.microsoft.com/office/drawing/2014/main" id="{77CAAC4A-82DB-4961-9916-D93F1A0B4804}"/>
+                <a16:creationId xmlns:a16="http://schemas.microsoft.com/office/drawing/2014/main" xmlns="" id="{77CAAC4A-82DB-4961-9916-D93F1A0B4804}"/>
               </a:ext>
             </a:extLst>
           </p:cNvPr>
@@ -4750,7 +4766,7 @@
           <p:cNvPr id="32" name="그룹 31">
             <a:extLst>
               <a:ext uri="{FF2B5EF4-FFF2-40B4-BE49-F238E27FC236}">
-                <a16:creationId xmlns:a16="http://schemas.microsoft.com/office/drawing/2014/main" id="{65D2A370-AB42-4D21-9523-324D5A97F2E8}"/>
+                <a16:creationId xmlns:a16="http://schemas.microsoft.com/office/drawing/2014/main" xmlns="" id="{65D2A370-AB42-4D21-9523-324D5A97F2E8}"/>
               </a:ext>
             </a:extLst>
           </p:cNvPr>
@@ -4770,7 +4786,7 @@
             <p:cNvPr id="33" name="그룹 32">
               <a:extLst>
                 <a:ext uri="{FF2B5EF4-FFF2-40B4-BE49-F238E27FC236}">
-                  <a16:creationId xmlns:a16="http://schemas.microsoft.com/office/drawing/2014/main" id="{3BE17DAA-2BCB-4713-802E-E6777E784AB6}"/>
+                  <a16:creationId xmlns:a16="http://schemas.microsoft.com/office/drawing/2014/main" xmlns="" id="{3BE17DAA-2BCB-4713-802E-E6777E784AB6}"/>
                 </a:ext>
               </a:extLst>
             </p:cNvPr>
@@ -4790,7 +4806,7 @@
               <p:cNvPr id="39" name="모서리가 둥근 직사각형 7">
                 <a:extLst>
                   <a:ext uri="{FF2B5EF4-FFF2-40B4-BE49-F238E27FC236}">
-                    <a16:creationId xmlns:a16="http://schemas.microsoft.com/office/drawing/2014/main" id="{5C73A7AA-80E3-4F0C-811E-3BFD8114A109}"/>
+                    <a16:creationId xmlns:a16="http://schemas.microsoft.com/office/drawing/2014/main" xmlns="" id="{5C73A7AA-80E3-4F0C-811E-3BFD8114A109}"/>
                   </a:ext>
                 </a:extLst>
               </p:cNvPr>
@@ -4850,7 +4866,7 @@
               <p:cNvPr id="41" name="모서리가 둥근 직사각형 8">
                 <a:extLst>
                   <a:ext uri="{FF2B5EF4-FFF2-40B4-BE49-F238E27FC236}">
-                    <a16:creationId xmlns:a16="http://schemas.microsoft.com/office/drawing/2014/main" id="{714B5D67-5F5E-4C40-A211-425B7F0A0FDC}"/>
+                    <a16:creationId xmlns:a16="http://schemas.microsoft.com/office/drawing/2014/main" xmlns="" id="{714B5D67-5F5E-4C40-A211-425B7F0A0FDC}"/>
                   </a:ext>
                 </a:extLst>
               </p:cNvPr>
@@ -4910,7 +4926,7 @@
               <p:cNvPr id="42" name="모서리가 둥근 직사각형 9">
                 <a:extLst>
                   <a:ext uri="{FF2B5EF4-FFF2-40B4-BE49-F238E27FC236}">
-                    <a16:creationId xmlns:a16="http://schemas.microsoft.com/office/drawing/2014/main" id="{9D207AAB-B967-490B-9073-2F8C809C79BF}"/>
+                    <a16:creationId xmlns:a16="http://schemas.microsoft.com/office/drawing/2014/main" xmlns="" id="{9D207AAB-B967-490B-9073-2F8C809C79BF}"/>
                   </a:ext>
                 </a:extLst>
               </p:cNvPr>
@@ -4971,7 +4987,7 @@
             <p:cNvPr id="34" name="제목 6">
               <a:extLst>
                 <a:ext uri="{FF2B5EF4-FFF2-40B4-BE49-F238E27FC236}">
-                  <a16:creationId xmlns:a16="http://schemas.microsoft.com/office/drawing/2014/main" id="{814ADD9B-C04E-4526-AFB9-7DD003873649}"/>
+                  <a16:creationId xmlns:a16="http://schemas.microsoft.com/office/drawing/2014/main" xmlns="" id="{814ADD9B-C04E-4526-AFB9-7DD003873649}"/>
                 </a:ext>
               </a:extLst>
             </p:cNvPr>
@@ -5038,7 +5054,7 @@
             <p:cNvPr id="35" name="제목 6">
               <a:extLst>
                 <a:ext uri="{FF2B5EF4-FFF2-40B4-BE49-F238E27FC236}">
-                  <a16:creationId xmlns:a16="http://schemas.microsoft.com/office/drawing/2014/main" id="{BA484311-F10F-4AED-916A-62B4AE569290}"/>
+                  <a16:creationId xmlns:a16="http://schemas.microsoft.com/office/drawing/2014/main" xmlns="" id="{BA484311-F10F-4AED-916A-62B4AE569290}"/>
                 </a:ext>
               </a:extLst>
             </p:cNvPr>
@@ -5105,7 +5121,7 @@
             <p:cNvPr id="36" name="제목 6">
               <a:extLst>
                 <a:ext uri="{FF2B5EF4-FFF2-40B4-BE49-F238E27FC236}">
-                  <a16:creationId xmlns:a16="http://schemas.microsoft.com/office/drawing/2014/main" id="{285056FF-B1B6-46CE-8A48-408F22CCBA14}"/>
+                  <a16:creationId xmlns:a16="http://schemas.microsoft.com/office/drawing/2014/main" xmlns="" id="{285056FF-B1B6-46CE-8A48-408F22CCBA14}"/>
                 </a:ext>
               </a:extLst>
             </p:cNvPr>
@@ -5172,7 +5188,7 @@
             <p:cNvPr id="37" name="사각형: 둥근 모서리 36">
               <a:extLst>
                 <a:ext uri="{FF2B5EF4-FFF2-40B4-BE49-F238E27FC236}">
-                  <a16:creationId xmlns:a16="http://schemas.microsoft.com/office/drawing/2014/main" id="{EA1CCC65-3B85-4422-AC82-046220EA5D2D}"/>
+                  <a16:creationId xmlns:a16="http://schemas.microsoft.com/office/drawing/2014/main" xmlns="" id="{EA1CCC65-3B85-4422-AC82-046220EA5D2D}"/>
                 </a:ext>
               </a:extLst>
             </p:cNvPr>
@@ -5248,7 +5264,7 @@
             <p:cNvPr id="38" name="직사각형 37">
               <a:extLst>
                 <a:ext uri="{FF2B5EF4-FFF2-40B4-BE49-F238E27FC236}">
-                  <a16:creationId xmlns:a16="http://schemas.microsoft.com/office/drawing/2014/main" id="{AE08BDDB-424C-4DBE-85B4-2A0C5F8801DB}"/>
+                  <a16:creationId xmlns:a16="http://schemas.microsoft.com/office/drawing/2014/main" xmlns="" id="{AE08BDDB-424C-4DBE-85B4-2A0C5F8801DB}"/>
                 </a:ext>
               </a:extLst>
             </p:cNvPr>
@@ -5334,7 +5350,7 @@
           <p:cNvPr id="24" name="제목 2">
             <a:extLst>
               <a:ext uri="{FF2B5EF4-FFF2-40B4-BE49-F238E27FC236}">
-                <a16:creationId xmlns:a16="http://schemas.microsoft.com/office/drawing/2014/main" id="{51116939-259D-4C30-938F-2F38FD5293FA}"/>
+                <a16:creationId xmlns:a16="http://schemas.microsoft.com/office/drawing/2014/main" xmlns="" id="{51116939-259D-4C30-938F-2F38FD5293FA}"/>
               </a:ext>
             </a:extLst>
           </p:cNvPr>
@@ -5373,7 +5389,7 @@
           <p:cNvPr id="8" name="그룹 7">
             <a:extLst>
               <a:ext uri="{FF2B5EF4-FFF2-40B4-BE49-F238E27FC236}">
-                <a16:creationId xmlns:a16="http://schemas.microsoft.com/office/drawing/2014/main" id="{89526C76-8BAF-420A-846C-2C7354A89C10}"/>
+                <a16:creationId xmlns:a16="http://schemas.microsoft.com/office/drawing/2014/main" xmlns="" id="{89526C76-8BAF-420A-846C-2C7354A89C10}"/>
               </a:ext>
             </a:extLst>
           </p:cNvPr>
@@ -5393,7 +5409,7 @@
             <p:cNvPr id="6" name="그룹 5">
               <a:extLst>
                 <a:ext uri="{FF2B5EF4-FFF2-40B4-BE49-F238E27FC236}">
-                  <a16:creationId xmlns:a16="http://schemas.microsoft.com/office/drawing/2014/main" id="{66BE1560-83B5-4197-9D2E-3AAB08E9C5DA}"/>
+                  <a16:creationId xmlns:a16="http://schemas.microsoft.com/office/drawing/2014/main" xmlns="" id="{66BE1560-83B5-4197-9D2E-3AAB08E9C5DA}"/>
                 </a:ext>
               </a:extLst>
             </p:cNvPr>
@@ -5413,7 +5429,7 @@
               <p:cNvPr id="4" name="그림 3">
                 <a:extLst>
                   <a:ext uri="{FF2B5EF4-FFF2-40B4-BE49-F238E27FC236}">
-                    <a16:creationId xmlns:a16="http://schemas.microsoft.com/office/drawing/2014/main" id="{BF563AA7-6C11-49ED-A1BC-D829ED01D46C}"/>
+                    <a16:creationId xmlns:a16="http://schemas.microsoft.com/office/drawing/2014/main" xmlns="" id="{BF563AA7-6C11-49ED-A1BC-D829ED01D46C}"/>
                   </a:ext>
                 </a:extLst>
               </p:cNvPr>
@@ -5451,7 +5467,7 @@
               <p:cNvPr id="5" name="직사각형 4">
                 <a:extLst>
                   <a:ext uri="{FF2B5EF4-FFF2-40B4-BE49-F238E27FC236}">
-                    <a16:creationId xmlns:a16="http://schemas.microsoft.com/office/drawing/2014/main" id="{58AD7063-2BC8-45AF-9B06-4C1D97685420}"/>
+                    <a16:creationId xmlns:a16="http://schemas.microsoft.com/office/drawing/2014/main" xmlns="" id="{58AD7063-2BC8-45AF-9B06-4C1D97685420}"/>
                   </a:ext>
                 </a:extLst>
               </p:cNvPr>
@@ -5506,7 +5522,7 @@
             <p:cNvPr id="7" name="직사각형 6">
               <a:extLst>
                 <a:ext uri="{FF2B5EF4-FFF2-40B4-BE49-F238E27FC236}">
-                  <a16:creationId xmlns:a16="http://schemas.microsoft.com/office/drawing/2014/main" id="{E104A07C-569A-4230-A4E8-FA9C774541F6}"/>
+                  <a16:creationId xmlns:a16="http://schemas.microsoft.com/office/drawing/2014/main" xmlns="" id="{E104A07C-569A-4230-A4E8-FA9C774541F6}"/>
                 </a:ext>
               </a:extLst>
             </p:cNvPr>
@@ -5575,7 +5591,7 @@
             <p:cNvPr id="11" name="직사각형 10">
               <a:extLst>
                 <a:ext uri="{FF2B5EF4-FFF2-40B4-BE49-F238E27FC236}">
-                  <a16:creationId xmlns:a16="http://schemas.microsoft.com/office/drawing/2014/main" id="{9C060D00-66B6-4B8E-9253-B5C5144986EC}"/>
+                  <a16:creationId xmlns:a16="http://schemas.microsoft.com/office/drawing/2014/main" xmlns="" id="{9C060D00-66B6-4B8E-9253-B5C5144986EC}"/>
                 </a:ext>
               </a:extLst>
             </p:cNvPr>
@@ -5809,7 +5825,7 @@
             <p:cNvPr id="12" name="사각형: 둥근 모서리 7">
               <a:extLst>
                 <a:ext uri="{FF2B5EF4-FFF2-40B4-BE49-F238E27FC236}">
-                  <a16:creationId xmlns:a16="http://schemas.microsoft.com/office/drawing/2014/main" id="{C2B8A0FB-ABE8-430A-AC73-09EE500E0A85}"/>
+                  <a16:creationId xmlns:a16="http://schemas.microsoft.com/office/drawing/2014/main" xmlns="" id="{C2B8A0FB-ABE8-430A-AC73-09EE500E0A85}"/>
                 </a:ext>
               </a:extLst>
             </p:cNvPr>
@@ -5879,7 +5895,7 @@
           <p:cNvPr id="25" name="TextBox 24">
             <a:extLst>
               <a:ext uri="{FF2B5EF4-FFF2-40B4-BE49-F238E27FC236}">
-                <a16:creationId xmlns:a16="http://schemas.microsoft.com/office/drawing/2014/main" id="{77CAAC4A-82DB-4961-9916-D93F1A0B4804}"/>
+                <a16:creationId xmlns:a16="http://schemas.microsoft.com/office/drawing/2014/main" xmlns="" id="{77CAAC4A-82DB-4961-9916-D93F1A0B4804}"/>
               </a:ext>
             </a:extLst>
           </p:cNvPr>
@@ -5923,7 +5939,7 @@
           <p:cNvPr id="45" name="그룹 44">
             <a:extLst>
               <a:ext uri="{FF2B5EF4-FFF2-40B4-BE49-F238E27FC236}">
-                <a16:creationId xmlns:a16="http://schemas.microsoft.com/office/drawing/2014/main" id="{1361FE93-463A-4CC4-810B-64F4D95741EA}"/>
+                <a16:creationId xmlns:a16="http://schemas.microsoft.com/office/drawing/2014/main" xmlns="" id="{1361FE93-463A-4CC4-810B-64F4D95741EA}"/>
               </a:ext>
             </a:extLst>
           </p:cNvPr>
@@ -5943,7 +5959,7 @@
             <p:cNvPr id="46" name="그룹 45">
               <a:extLst>
                 <a:ext uri="{FF2B5EF4-FFF2-40B4-BE49-F238E27FC236}">
-                  <a16:creationId xmlns:a16="http://schemas.microsoft.com/office/drawing/2014/main" id="{D3592979-2E9C-4949-BD52-B0DDA1925088}"/>
+                  <a16:creationId xmlns:a16="http://schemas.microsoft.com/office/drawing/2014/main" xmlns="" id="{D3592979-2E9C-4949-BD52-B0DDA1925088}"/>
                 </a:ext>
               </a:extLst>
             </p:cNvPr>
@@ -5963,7 +5979,7 @@
               <p:cNvPr id="52" name="모서리가 둥근 직사각형 7">
                 <a:extLst>
                   <a:ext uri="{FF2B5EF4-FFF2-40B4-BE49-F238E27FC236}">
-                    <a16:creationId xmlns:a16="http://schemas.microsoft.com/office/drawing/2014/main" id="{EA941ACD-31F6-443E-ADB0-57ED2B070AD3}"/>
+                    <a16:creationId xmlns:a16="http://schemas.microsoft.com/office/drawing/2014/main" xmlns="" id="{EA941ACD-31F6-443E-ADB0-57ED2B070AD3}"/>
                   </a:ext>
                 </a:extLst>
               </p:cNvPr>
@@ -6023,7 +6039,7 @@
               <p:cNvPr id="53" name="모서리가 둥근 직사각형 8">
                 <a:extLst>
                   <a:ext uri="{FF2B5EF4-FFF2-40B4-BE49-F238E27FC236}">
-                    <a16:creationId xmlns:a16="http://schemas.microsoft.com/office/drawing/2014/main" id="{78B06CC1-075A-42F9-BCCD-B33093EA7A04}"/>
+                    <a16:creationId xmlns:a16="http://schemas.microsoft.com/office/drawing/2014/main" xmlns="" id="{78B06CC1-075A-42F9-BCCD-B33093EA7A04}"/>
                   </a:ext>
                 </a:extLst>
               </p:cNvPr>
@@ -6083,7 +6099,7 @@
               <p:cNvPr id="54" name="모서리가 둥근 직사각형 9">
                 <a:extLst>
                   <a:ext uri="{FF2B5EF4-FFF2-40B4-BE49-F238E27FC236}">
-                    <a16:creationId xmlns:a16="http://schemas.microsoft.com/office/drawing/2014/main" id="{9811E75F-C20E-42FE-95B1-127698B31BBD}"/>
+                    <a16:creationId xmlns:a16="http://schemas.microsoft.com/office/drawing/2014/main" xmlns="" id="{9811E75F-C20E-42FE-95B1-127698B31BBD}"/>
                   </a:ext>
                 </a:extLst>
               </p:cNvPr>
@@ -6144,7 +6160,7 @@
             <p:cNvPr id="47" name="제목 6">
               <a:extLst>
                 <a:ext uri="{FF2B5EF4-FFF2-40B4-BE49-F238E27FC236}">
-                  <a16:creationId xmlns:a16="http://schemas.microsoft.com/office/drawing/2014/main" id="{0FBA7461-6CB1-485A-884F-D28A4DD643C5}"/>
+                  <a16:creationId xmlns:a16="http://schemas.microsoft.com/office/drawing/2014/main" xmlns="" id="{0FBA7461-6CB1-485A-884F-D28A4DD643C5}"/>
                 </a:ext>
               </a:extLst>
             </p:cNvPr>
@@ -6211,7 +6227,7 @@
             <p:cNvPr id="48" name="제목 6">
               <a:extLst>
                 <a:ext uri="{FF2B5EF4-FFF2-40B4-BE49-F238E27FC236}">
-                  <a16:creationId xmlns:a16="http://schemas.microsoft.com/office/drawing/2014/main" id="{FFAACA9E-3C5D-4178-ABC4-C8361E05882F}"/>
+                  <a16:creationId xmlns:a16="http://schemas.microsoft.com/office/drawing/2014/main" xmlns="" id="{FFAACA9E-3C5D-4178-ABC4-C8361E05882F}"/>
                 </a:ext>
               </a:extLst>
             </p:cNvPr>
@@ -6278,7 +6294,7 @@
             <p:cNvPr id="49" name="제목 6">
               <a:extLst>
                 <a:ext uri="{FF2B5EF4-FFF2-40B4-BE49-F238E27FC236}">
-                  <a16:creationId xmlns:a16="http://schemas.microsoft.com/office/drawing/2014/main" id="{325B5F16-3B87-458C-8AB0-1E1B465E2A03}"/>
+                  <a16:creationId xmlns:a16="http://schemas.microsoft.com/office/drawing/2014/main" xmlns="" id="{325B5F16-3B87-458C-8AB0-1E1B465E2A03}"/>
                 </a:ext>
               </a:extLst>
             </p:cNvPr>
@@ -6345,7 +6361,7 @@
             <p:cNvPr id="50" name="사각형: 둥근 모서리 49">
               <a:extLst>
                 <a:ext uri="{FF2B5EF4-FFF2-40B4-BE49-F238E27FC236}">
-                  <a16:creationId xmlns:a16="http://schemas.microsoft.com/office/drawing/2014/main" id="{A1830DCA-4DF3-4AFE-B627-74C446C5BEF2}"/>
+                  <a16:creationId xmlns:a16="http://schemas.microsoft.com/office/drawing/2014/main" xmlns="" id="{A1830DCA-4DF3-4AFE-B627-74C446C5BEF2}"/>
                 </a:ext>
               </a:extLst>
             </p:cNvPr>
@@ -6421,7 +6437,7 @@
             <p:cNvPr id="51" name="직사각형 50">
               <a:extLst>
                 <a:ext uri="{FF2B5EF4-FFF2-40B4-BE49-F238E27FC236}">
-                  <a16:creationId xmlns:a16="http://schemas.microsoft.com/office/drawing/2014/main" id="{B651A43A-52F3-43B0-8281-FB0D4D7B5720}"/>
+                  <a16:creationId xmlns:a16="http://schemas.microsoft.com/office/drawing/2014/main" xmlns="" id="{B651A43A-52F3-43B0-8281-FB0D4D7B5720}"/>
                 </a:ext>
               </a:extLst>
             </p:cNvPr>
@@ -6507,7 +6523,7 @@
           <p:cNvPr id="24" name="제목 2">
             <a:extLst>
               <a:ext uri="{FF2B5EF4-FFF2-40B4-BE49-F238E27FC236}">
-                <a16:creationId xmlns:a16="http://schemas.microsoft.com/office/drawing/2014/main" id="{51116939-259D-4C30-938F-2F38FD5293FA}"/>
+                <a16:creationId xmlns:a16="http://schemas.microsoft.com/office/drawing/2014/main" xmlns="" id="{51116939-259D-4C30-938F-2F38FD5293FA}"/>
               </a:ext>
             </a:extLst>
           </p:cNvPr>
@@ -6546,7 +6562,7 @@
           <p:cNvPr id="3" name="사각형: 둥근 모서리 2">
             <a:extLst>
               <a:ext uri="{FF2B5EF4-FFF2-40B4-BE49-F238E27FC236}">
-                <a16:creationId xmlns:a16="http://schemas.microsoft.com/office/drawing/2014/main" id="{670B551B-A5DA-492A-A761-598DFCCDF2E6}"/>
+                <a16:creationId xmlns:a16="http://schemas.microsoft.com/office/drawing/2014/main" xmlns="" id="{670B551B-A5DA-492A-A761-598DFCCDF2E6}"/>
               </a:ext>
             </a:extLst>
           </p:cNvPr>
@@ -6864,7 +6880,7 @@
           <p:cNvPr id="18" name="그룹 17">
             <a:extLst>
               <a:ext uri="{FF2B5EF4-FFF2-40B4-BE49-F238E27FC236}">
-                <a16:creationId xmlns:a16="http://schemas.microsoft.com/office/drawing/2014/main" id="{6C09839A-CBD7-4063-BAD5-F94D65FFAF34}"/>
+                <a16:creationId xmlns:a16="http://schemas.microsoft.com/office/drawing/2014/main" xmlns="" id="{6C09839A-CBD7-4063-BAD5-F94D65FFAF34}"/>
               </a:ext>
             </a:extLst>
           </p:cNvPr>
@@ -6884,7 +6900,7 @@
             <p:cNvPr id="19" name="그룹 18">
               <a:extLst>
                 <a:ext uri="{FF2B5EF4-FFF2-40B4-BE49-F238E27FC236}">
-                  <a16:creationId xmlns:a16="http://schemas.microsoft.com/office/drawing/2014/main" id="{BF40C957-D454-4343-A081-CBB12EA93701}"/>
+                  <a16:creationId xmlns:a16="http://schemas.microsoft.com/office/drawing/2014/main" xmlns="" id="{BF40C957-D454-4343-A081-CBB12EA93701}"/>
                 </a:ext>
               </a:extLst>
             </p:cNvPr>
@@ -6904,7 +6920,7 @@
               <p:cNvPr id="28" name="모서리가 둥근 직사각형 7">
                 <a:extLst>
                   <a:ext uri="{FF2B5EF4-FFF2-40B4-BE49-F238E27FC236}">
-                    <a16:creationId xmlns:a16="http://schemas.microsoft.com/office/drawing/2014/main" id="{42F70ACD-2633-4CC7-BA1B-AAC0FB8D5303}"/>
+                    <a16:creationId xmlns:a16="http://schemas.microsoft.com/office/drawing/2014/main" xmlns="" id="{42F70ACD-2633-4CC7-BA1B-AAC0FB8D5303}"/>
                   </a:ext>
                 </a:extLst>
               </p:cNvPr>
@@ -6964,7 +6980,7 @@
               <p:cNvPr id="29" name="모서리가 둥근 직사각형 8">
                 <a:extLst>
                   <a:ext uri="{FF2B5EF4-FFF2-40B4-BE49-F238E27FC236}">
-                    <a16:creationId xmlns:a16="http://schemas.microsoft.com/office/drawing/2014/main" id="{2D131FF9-D212-4E62-A214-596755AE0E20}"/>
+                    <a16:creationId xmlns:a16="http://schemas.microsoft.com/office/drawing/2014/main" xmlns="" id="{2D131FF9-D212-4E62-A214-596755AE0E20}"/>
                   </a:ext>
                 </a:extLst>
               </p:cNvPr>
@@ -7024,7 +7040,7 @@
               <p:cNvPr id="30" name="모서리가 둥근 직사각형 9">
                 <a:extLst>
                   <a:ext uri="{FF2B5EF4-FFF2-40B4-BE49-F238E27FC236}">
-                    <a16:creationId xmlns:a16="http://schemas.microsoft.com/office/drawing/2014/main" id="{1931908F-C0C0-4BFF-ADB8-EC719457110F}"/>
+                    <a16:creationId xmlns:a16="http://schemas.microsoft.com/office/drawing/2014/main" xmlns="" id="{1931908F-C0C0-4BFF-ADB8-EC719457110F}"/>
                   </a:ext>
                 </a:extLst>
               </p:cNvPr>
@@ -7085,7 +7101,7 @@
             <p:cNvPr id="20" name="제목 6">
               <a:extLst>
                 <a:ext uri="{FF2B5EF4-FFF2-40B4-BE49-F238E27FC236}">
-                  <a16:creationId xmlns:a16="http://schemas.microsoft.com/office/drawing/2014/main" id="{229DF989-F3F4-49A6-B2D2-60E9C4E44864}"/>
+                  <a16:creationId xmlns:a16="http://schemas.microsoft.com/office/drawing/2014/main" xmlns="" id="{229DF989-F3F4-49A6-B2D2-60E9C4E44864}"/>
                 </a:ext>
               </a:extLst>
             </p:cNvPr>
@@ -7152,7 +7168,7 @@
             <p:cNvPr id="23" name="제목 6">
               <a:extLst>
                 <a:ext uri="{FF2B5EF4-FFF2-40B4-BE49-F238E27FC236}">
-                  <a16:creationId xmlns:a16="http://schemas.microsoft.com/office/drawing/2014/main" id="{13CEED19-15B2-4884-A682-6D4500B781E5}"/>
+                  <a16:creationId xmlns:a16="http://schemas.microsoft.com/office/drawing/2014/main" xmlns="" id="{13CEED19-15B2-4884-A682-6D4500B781E5}"/>
                 </a:ext>
               </a:extLst>
             </p:cNvPr>
@@ -7219,7 +7235,7 @@
             <p:cNvPr id="25" name="제목 6">
               <a:extLst>
                 <a:ext uri="{FF2B5EF4-FFF2-40B4-BE49-F238E27FC236}">
-                  <a16:creationId xmlns:a16="http://schemas.microsoft.com/office/drawing/2014/main" id="{3AFEA03F-9FE8-4DDA-9C2D-4D8863523E25}"/>
+                  <a16:creationId xmlns:a16="http://schemas.microsoft.com/office/drawing/2014/main" xmlns="" id="{3AFEA03F-9FE8-4DDA-9C2D-4D8863523E25}"/>
                 </a:ext>
               </a:extLst>
             </p:cNvPr>
@@ -7286,7 +7302,7 @@
             <p:cNvPr id="26" name="사각형: 둥근 모서리 25">
               <a:extLst>
                 <a:ext uri="{FF2B5EF4-FFF2-40B4-BE49-F238E27FC236}">
-                  <a16:creationId xmlns:a16="http://schemas.microsoft.com/office/drawing/2014/main" id="{B4EFC402-9F3A-4638-B82E-21B092A976B5}"/>
+                  <a16:creationId xmlns:a16="http://schemas.microsoft.com/office/drawing/2014/main" xmlns="" id="{B4EFC402-9F3A-4638-B82E-21B092A976B5}"/>
                 </a:ext>
               </a:extLst>
             </p:cNvPr>
@@ -7362,7 +7378,7 @@
             <p:cNvPr id="27" name="직사각형 26">
               <a:extLst>
                 <a:ext uri="{FF2B5EF4-FFF2-40B4-BE49-F238E27FC236}">
-                  <a16:creationId xmlns:a16="http://schemas.microsoft.com/office/drawing/2014/main" id="{D1B8801F-06FB-4C81-8CA4-AEEE1CA231E1}"/>
+                  <a16:creationId xmlns:a16="http://schemas.microsoft.com/office/drawing/2014/main" xmlns="" id="{D1B8801F-06FB-4C81-8CA4-AEEE1CA231E1}"/>
                 </a:ext>
               </a:extLst>
             </p:cNvPr>
@@ -8076,7 +8092,7 @@
           <p:cNvPr id="24" name="제목 2">
             <a:extLst>
               <a:ext uri="{FF2B5EF4-FFF2-40B4-BE49-F238E27FC236}">
-                <a16:creationId xmlns:a16="http://schemas.microsoft.com/office/drawing/2014/main" id="{51116939-259D-4C30-938F-2F38FD5293FA}"/>
+                <a16:creationId xmlns:a16="http://schemas.microsoft.com/office/drawing/2014/main" xmlns="" id="{51116939-259D-4C30-938F-2F38FD5293FA}"/>
               </a:ext>
             </a:extLst>
           </p:cNvPr>
@@ -8131,7 +8147,7 @@
           <p:cNvPr id="35" name="그림 34">
             <a:extLst>
               <a:ext uri="{FF2B5EF4-FFF2-40B4-BE49-F238E27FC236}">
-                <a16:creationId xmlns:a16="http://schemas.microsoft.com/office/drawing/2014/main" id="{42CE17E7-13BA-4B55-8805-30F88B2CE2B6}"/>
+                <a16:creationId xmlns:a16="http://schemas.microsoft.com/office/drawing/2014/main" xmlns="" id="{42CE17E7-13BA-4B55-8805-30F88B2CE2B6}"/>
               </a:ext>
             </a:extLst>
           </p:cNvPr>
@@ -8180,7 +8196,7 @@
             <p:cNvPr id="38" name="직사각형 37">
               <a:extLst>
                 <a:ext uri="{FF2B5EF4-FFF2-40B4-BE49-F238E27FC236}">
-                  <a16:creationId xmlns:a16="http://schemas.microsoft.com/office/drawing/2014/main" id="{D5349892-500B-43E5-9A21-9418DC301F71}"/>
+                  <a16:creationId xmlns:a16="http://schemas.microsoft.com/office/drawing/2014/main" xmlns="" id="{D5349892-500B-43E5-9A21-9418DC301F71}"/>
                 </a:ext>
               </a:extLst>
             </p:cNvPr>
@@ -8315,7 +8331,7 @@
             <p:cNvPr id="37" name="사각형: 둥근 모서리 7">
               <a:extLst>
                 <a:ext uri="{FF2B5EF4-FFF2-40B4-BE49-F238E27FC236}">
-                  <a16:creationId xmlns:a16="http://schemas.microsoft.com/office/drawing/2014/main" id="{4AC36805-F79E-4A03-BE1E-33725748BD76}"/>
+                  <a16:creationId xmlns:a16="http://schemas.microsoft.com/office/drawing/2014/main" xmlns="" id="{4AC36805-F79E-4A03-BE1E-33725748BD76}"/>
                 </a:ext>
               </a:extLst>
             </p:cNvPr>
@@ -8409,7 +8425,7 @@
           <p:cNvPr id="31" name="그룹 30">
             <a:extLst>
               <a:ext uri="{FF2B5EF4-FFF2-40B4-BE49-F238E27FC236}">
-                <a16:creationId xmlns:a16="http://schemas.microsoft.com/office/drawing/2014/main" id="{F3B46B1A-EBC2-4D17-826A-E44931B30EDD}"/>
+                <a16:creationId xmlns:a16="http://schemas.microsoft.com/office/drawing/2014/main" xmlns="" id="{F3B46B1A-EBC2-4D17-826A-E44931B30EDD}"/>
               </a:ext>
             </a:extLst>
           </p:cNvPr>
@@ -8429,7 +8445,7 @@
             <p:cNvPr id="32" name="그룹 31">
               <a:extLst>
                 <a:ext uri="{FF2B5EF4-FFF2-40B4-BE49-F238E27FC236}">
-                  <a16:creationId xmlns:a16="http://schemas.microsoft.com/office/drawing/2014/main" id="{1BBA5EF7-0F1F-462C-ADB1-5E19A33EE9DC}"/>
+                  <a16:creationId xmlns:a16="http://schemas.microsoft.com/office/drawing/2014/main" xmlns="" id="{1BBA5EF7-0F1F-462C-ADB1-5E19A33EE9DC}"/>
                 </a:ext>
               </a:extLst>
             </p:cNvPr>
@@ -8449,7 +8465,7 @@
               <p:cNvPr id="42" name="모서리가 둥근 직사각형 7">
                 <a:extLst>
                   <a:ext uri="{FF2B5EF4-FFF2-40B4-BE49-F238E27FC236}">
-                    <a16:creationId xmlns:a16="http://schemas.microsoft.com/office/drawing/2014/main" id="{A676B474-CC15-4F85-BF84-D2CE81DF4D43}"/>
+                    <a16:creationId xmlns:a16="http://schemas.microsoft.com/office/drawing/2014/main" xmlns="" id="{A676B474-CC15-4F85-BF84-D2CE81DF4D43}"/>
                   </a:ext>
                 </a:extLst>
               </p:cNvPr>
@@ -8509,7 +8525,7 @@
               <p:cNvPr id="43" name="모서리가 둥근 직사각형 8">
                 <a:extLst>
                   <a:ext uri="{FF2B5EF4-FFF2-40B4-BE49-F238E27FC236}">
-                    <a16:creationId xmlns:a16="http://schemas.microsoft.com/office/drawing/2014/main" id="{FB4AA7AB-B7C8-4BE5-BED0-604AD47C8BCE}"/>
+                    <a16:creationId xmlns:a16="http://schemas.microsoft.com/office/drawing/2014/main" xmlns="" id="{FB4AA7AB-B7C8-4BE5-BED0-604AD47C8BCE}"/>
                   </a:ext>
                 </a:extLst>
               </p:cNvPr>
@@ -8569,7 +8585,7 @@
               <p:cNvPr id="44" name="모서리가 둥근 직사각형 9">
                 <a:extLst>
                   <a:ext uri="{FF2B5EF4-FFF2-40B4-BE49-F238E27FC236}">
-                    <a16:creationId xmlns:a16="http://schemas.microsoft.com/office/drawing/2014/main" id="{A3D5BECE-F5F5-4ADF-B702-4952E16193F4}"/>
+                    <a16:creationId xmlns:a16="http://schemas.microsoft.com/office/drawing/2014/main" xmlns="" id="{A3D5BECE-F5F5-4ADF-B702-4952E16193F4}"/>
                   </a:ext>
                 </a:extLst>
               </p:cNvPr>
@@ -8630,7 +8646,7 @@
             <p:cNvPr id="33" name="제목 6">
               <a:extLst>
                 <a:ext uri="{FF2B5EF4-FFF2-40B4-BE49-F238E27FC236}">
-                  <a16:creationId xmlns:a16="http://schemas.microsoft.com/office/drawing/2014/main" id="{DE4E5B3F-EA33-4F43-8059-9CF36F3A70DD}"/>
+                  <a16:creationId xmlns:a16="http://schemas.microsoft.com/office/drawing/2014/main" xmlns="" id="{DE4E5B3F-EA33-4F43-8059-9CF36F3A70DD}"/>
                 </a:ext>
               </a:extLst>
             </p:cNvPr>
@@ -8697,7 +8713,7 @@
             <p:cNvPr id="34" name="제목 6">
               <a:extLst>
                 <a:ext uri="{FF2B5EF4-FFF2-40B4-BE49-F238E27FC236}">
-                  <a16:creationId xmlns:a16="http://schemas.microsoft.com/office/drawing/2014/main" id="{54596B59-1B57-408C-A28F-BC48E2EC9729}"/>
+                  <a16:creationId xmlns:a16="http://schemas.microsoft.com/office/drawing/2014/main" xmlns="" id="{54596B59-1B57-408C-A28F-BC48E2EC9729}"/>
                 </a:ext>
               </a:extLst>
             </p:cNvPr>
@@ -8764,7 +8780,7 @@
             <p:cNvPr id="39" name="제목 6">
               <a:extLst>
                 <a:ext uri="{FF2B5EF4-FFF2-40B4-BE49-F238E27FC236}">
-                  <a16:creationId xmlns:a16="http://schemas.microsoft.com/office/drawing/2014/main" id="{441AFF54-D9A0-498D-A377-764DDE926C1D}"/>
+                  <a16:creationId xmlns:a16="http://schemas.microsoft.com/office/drawing/2014/main" xmlns="" id="{441AFF54-D9A0-498D-A377-764DDE926C1D}"/>
                 </a:ext>
               </a:extLst>
             </p:cNvPr>
@@ -8831,7 +8847,7 @@
             <p:cNvPr id="40" name="사각형: 둥근 모서리 39">
               <a:extLst>
                 <a:ext uri="{FF2B5EF4-FFF2-40B4-BE49-F238E27FC236}">
-                  <a16:creationId xmlns:a16="http://schemas.microsoft.com/office/drawing/2014/main" id="{413F734E-BAC0-4E81-892C-98EB6B551B1B}"/>
+                  <a16:creationId xmlns:a16="http://schemas.microsoft.com/office/drawing/2014/main" xmlns="" id="{413F734E-BAC0-4E81-892C-98EB6B551B1B}"/>
                 </a:ext>
               </a:extLst>
             </p:cNvPr>
@@ -8907,7 +8923,7 @@
             <p:cNvPr id="41" name="직사각형 40">
               <a:extLst>
                 <a:ext uri="{FF2B5EF4-FFF2-40B4-BE49-F238E27FC236}">
-                  <a16:creationId xmlns:a16="http://schemas.microsoft.com/office/drawing/2014/main" id="{8205CCA5-D4C7-4F6E-BDF6-62A67E2EE061}"/>
+                  <a16:creationId xmlns:a16="http://schemas.microsoft.com/office/drawing/2014/main" xmlns="" id="{8205CCA5-D4C7-4F6E-BDF6-62A67E2EE061}"/>
                 </a:ext>
               </a:extLst>
             </p:cNvPr>
@@ -8993,7 +9009,7 @@
           <p:cNvPr id="30" name="그룹 29">
             <a:extLst>
               <a:ext uri="{FF2B5EF4-FFF2-40B4-BE49-F238E27FC236}">
-                <a16:creationId xmlns:a16="http://schemas.microsoft.com/office/drawing/2014/main" id="{9E62689B-7397-4F49-9EA9-5A7C181B4733}"/>
+                <a16:creationId xmlns:a16="http://schemas.microsoft.com/office/drawing/2014/main" xmlns="" id="{9E62689B-7397-4F49-9EA9-5A7C181B4733}"/>
               </a:ext>
             </a:extLst>
           </p:cNvPr>
@@ -9027,7 +9043,7 @@
               <p:cNvPr id="33" name="그림 32">
                 <a:extLst>
                   <a:ext uri="{FF2B5EF4-FFF2-40B4-BE49-F238E27FC236}">
-                    <a16:creationId xmlns:a16="http://schemas.microsoft.com/office/drawing/2014/main" id="{85CDAE83-E11F-462D-BF3E-41342E11F750}"/>
+                    <a16:creationId xmlns:a16="http://schemas.microsoft.com/office/drawing/2014/main" xmlns="" id="{85CDAE83-E11F-462D-BF3E-41342E11F750}"/>
                   </a:ext>
                 </a:extLst>
               </p:cNvPr>
@@ -9063,7 +9079,7 @@
               <p:cNvPr id="34" name="그룹 33">
                 <a:extLst>
                   <a:ext uri="{FF2B5EF4-FFF2-40B4-BE49-F238E27FC236}">
-                    <a16:creationId xmlns:a16="http://schemas.microsoft.com/office/drawing/2014/main" id="{4B038A61-42FE-4D3C-BDF8-CB4892EA4535}"/>
+                    <a16:creationId xmlns:a16="http://schemas.microsoft.com/office/drawing/2014/main" xmlns="" id="{4B038A61-42FE-4D3C-BDF8-CB4892EA4535}"/>
                   </a:ext>
                 </a:extLst>
               </p:cNvPr>
@@ -9083,7 +9099,7 @@
                 <p:cNvPr id="35" name="그림 34">
                   <a:extLst>
                     <a:ext uri="{FF2B5EF4-FFF2-40B4-BE49-F238E27FC236}">
-                      <a16:creationId xmlns:a16="http://schemas.microsoft.com/office/drawing/2014/main" id="{0E15E9DB-70E3-4CBB-A3AB-8F1F5ACE7770}"/>
+                      <a16:creationId xmlns:a16="http://schemas.microsoft.com/office/drawing/2014/main" xmlns="" id="{0E15E9DB-70E3-4CBB-A3AB-8F1F5ACE7770}"/>
                     </a:ext>
                   </a:extLst>
                 </p:cNvPr>
@@ -9119,7 +9135,7 @@
                 <p:cNvPr id="36" name="직사각형 35">
                   <a:extLst>
                     <a:ext uri="{FF2B5EF4-FFF2-40B4-BE49-F238E27FC236}">
-                      <a16:creationId xmlns:a16="http://schemas.microsoft.com/office/drawing/2014/main" id="{473EF1C9-CEE1-456D-8449-BC58F4D60A1E}"/>
+                      <a16:creationId xmlns:a16="http://schemas.microsoft.com/office/drawing/2014/main" xmlns="" id="{473EF1C9-CEE1-456D-8449-BC58F4D60A1E}"/>
                     </a:ext>
                   </a:extLst>
                 </p:cNvPr>
@@ -9173,7 +9189,7 @@
             <p:cNvPr id="32" name="직사각형 31">
               <a:extLst>
                 <a:ext uri="{FF2B5EF4-FFF2-40B4-BE49-F238E27FC236}">
-                  <a16:creationId xmlns:a16="http://schemas.microsoft.com/office/drawing/2014/main" id="{B5ABC75D-8CC9-4158-B313-82947F27DDAF}"/>
+                  <a16:creationId xmlns:a16="http://schemas.microsoft.com/office/drawing/2014/main" xmlns="" id="{B5ABC75D-8CC9-4158-B313-82947F27DDAF}"/>
                 </a:ext>
               </a:extLst>
             </p:cNvPr>
@@ -9226,7 +9242,7 @@
           <p:cNvPr id="24" name="제목 2">
             <a:extLst>
               <a:ext uri="{FF2B5EF4-FFF2-40B4-BE49-F238E27FC236}">
-                <a16:creationId xmlns:a16="http://schemas.microsoft.com/office/drawing/2014/main" id="{51116939-259D-4C30-938F-2F38FD5293FA}"/>
+                <a16:creationId xmlns:a16="http://schemas.microsoft.com/office/drawing/2014/main" xmlns="" id="{51116939-259D-4C30-938F-2F38FD5293FA}"/>
               </a:ext>
             </a:extLst>
           </p:cNvPr>
@@ -9278,7 +9294,7 @@
           <p:cNvPr id="17" name="TextBox 16">
             <a:extLst>
               <a:ext uri="{FF2B5EF4-FFF2-40B4-BE49-F238E27FC236}">
-                <a16:creationId xmlns:a16="http://schemas.microsoft.com/office/drawing/2014/main" id="{466B1269-FA8D-455F-859C-C123BC3B047C}"/>
+                <a16:creationId xmlns:a16="http://schemas.microsoft.com/office/drawing/2014/main" xmlns="" id="{466B1269-FA8D-455F-859C-C123BC3B047C}"/>
               </a:ext>
             </a:extLst>
           </p:cNvPr>
@@ -9744,7 +9760,7 @@
           <p:cNvPr id="23" name="그룹 22">
             <a:extLst>
               <a:ext uri="{FF2B5EF4-FFF2-40B4-BE49-F238E27FC236}">
-                <a16:creationId xmlns:a16="http://schemas.microsoft.com/office/drawing/2014/main" id="{2DA5C00E-3279-4CAC-8E1E-3E2973C4709F}"/>
+                <a16:creationId xmlns:a16="http://schemas.microsoft.com/office/drawing/2014/main" xmlns="" id="{2DA5C00E-3279-4CAC-8E1E-3E2973C4709F}"/>
               </a:ext>
             </a:extLst>
           </p:cNvPr>
@@ -9764,7 +9780,7 @@
             <p:cNvPr id="25" name="그룹 24">
               <a:extLst>
                 <a:ext uri="{FF2B5EF4-FFF2-40B4-BE49-F238E27FC236}">
-                  <a16:creationId xmlns:a16="http://schemas.microsoft.com/office/drawing/2014/main" id="{B5A3AD1B-F1A6-46B2-983D-30E72D59B34E}"/>
+                  <a16:creationId xmlns:a16="http://schemas.microsoft.com/office/drawing/2014/main" xmlns="" id="{B5A3AD1B-F1A6-46B2-983D-30E72D59B34E}"/>
                 </a:ext>
               </a:extLst>
             </p:cNvPr>
@@ -9784,7 +9800,7 @@
               <p:cNvPr id="39" name="모서리가 둥근 직사각형 7">
                 <a:extLst>
                   <a:ext uri="{FF2B5EF4-FFF2-40B4-BE49-F238E27FC236}">
-                    <a16:creationId xmlns:a16="http://schemas.microsoft.com/office/drawing/2014/main" id="{EA81A359-5A2B-436B-B073-93EB625DB486}"/>
+                    <a16:creationId xmlns:a16="http://schemas.microsoft.com/office/drawing/2014/main" xmlns="" id="{EA81A359-5A2B-436B-B073-93EB625DB486}"/>
                   </a:ext>
                 </a:extLst>
               </p:cNvPr>
@@ -9844,7 +9860,7 @@
               <p:cNvPr id="40" name="모서리가 둥근 직사각형 8">
                 <a:extLst>
                   <a:ext uri="{FF2B5EF4-FFF2-40B4-BE49-F238E27FC236}">
-                    <a16:creationId xmlns:a16="http://schemas.microsoft.com/office/drawing/2014/main" id="{B229CF08-7691-4D69-A829-C395091AD135}"/>
+                    <a16:creationId xmlns:a16="http://schemas.microsoft.com/office/drawing/2014/main" xmlns="" id="{B229CF08-7691-4D69-A829-C395091AD135}"/>
                   </a:ext>
                 </a:extLst>
               </p:cNvPr>
@@ -9904,7 +9920,7 @@
               <p:cNvPr id="41" name="모서리가 둥근 직사각형 9">
                 <a:extLst>
                   <a:ext uri="{FF2B5EF4-FFF2-40B4-BE49-F238E27FC236}">
-                    <a16:creationId xmlns:a16="http://schemas.microsoft.com/office/drawing/2014/main" id="{1D26E48A-D313-4DFE-9096-50B435D5426F}"/>
+                    <a16:creationId xmlns:a16="http://schemas.microsoft.com/office/drawing/2014/main" xmlns="" id="{1D26E48A-D313-4DFE-9096-50B435D5426F}"/>
                   </a:ext>
                 </a:extLst>
               </p:cNvPr>
@@ -9965,7 +9981,7 @@
             <p:cNvPr id="26" name="제목 6">
               <a:extLst>
                 <a:ext uri="{FF2B5EF4-FFF2-40B4-BE49-F238E27FC236}">
-                  <a16:creationId xmlns:a16="http://schemas.microsoft.com/office/drawing/2014/main" id="{84C10A7A-A5EC-4A99-BD86-89C396F7B99F}"/>
+                  <a16:creationId xmlns:a16="http://schemas.microsoft.com/office/drawing/2014/main" xmlns="" id="{84C10A7A-A5EC-4A99-BD86-89C396F7B99F}"/>
                 </a:ext>
               </a:extLst>
             </p:cNvPr>
@@ -10032,7 +10048,7 @@
             <p:cNvPr id="27" name="제목 6">
               <a:extLst>
                 <a:ext uri="{FF2B5EF4-FFF2-40B4-BE49-F238E27FC236}">
-                  <a16:creationId xmlns:a16="http://schemas.microsoft.com/office/drawing/2014/main" id="{48FF9675-2415-4A89-A8A5-FE22FBDE9591}"/>
+                  <a16:creationId xmlns:a16="http://schemas.microsoft.com/office/drawing/2014/main" xmlns="" id="{48FF9675-2415-4A89-A8A5-FE22FBDE9591}"/>
                 </a:ext>
               </a:extLst>
             </p:cNvPr>
@@ -10099,7 +10115,7 @@
             <p:cNvPr id="28" name="제목 6">
               <a:extLst>
                 <a:ext uri="{FF2B5EF4-FFF2-40B4-BE49-F238E27FC236}">
-                  <a16:creationId xmlns:a16="http://schemas.microsoft.com/office/drawing/2014/main" id="{A5AC6A0C-0CB5-40D9-9AEC-5837A41E1D9A}"/>
+                  <a16:creationId xmlns:a16="http://schemas.microsoft.com/office/drawing/2014/main" xmlns="" id="{A5AC6A0C-0CB5-40D9-9AEC-5837A41E1D9A}"/>
                 </a:ext>
               </a:extLst>
             </p:cNvPr>
@@ -10166,7 +10182,7 @@
             <p:cNvPr id="37" name="사각형: 둥근 모서리 36">
               <a:extLst>
                 <a:ext uri="{FF2B5EF4-FFF2-40B4-BE49-F238E27FC236}">
-                  <a16:creationId xmlns:a16="http://schemas.microsoft.com/office/drawing/2014/main" id="{2CDC63CC-C343-4832-A210-7E7DA5E9A1B8}"/>
+                  <a16:creationId xmlns:a16="http://schemas.microsoft.com/office/drawing/2014/main" xmlns="" id="{2CDC63CC-C343-4832-A210-7E7DA5E9A1B8}"/>
                 </a:ext>
               </a:extLst>
             </p:cNvPr>
@@ -10242,7 +10258,7 @@
             <p:cNvPr id="38" name="직사각형 37">
               <a:extLst>
                 <a:ext uri="{FF2B5EF4-FFF2-40B4-BE49-F238E27FC236}">
-                  <a16:creationId xmlns:a16="http://schemas.microsoft.com/office/drawing/2014/main" id="{CE402ACC-FC42-49C1-B0CF-63052C2F60E2}"/>
+                  <a16:creationId xmlns:a16="http://schemas.microsoft.com/office/drawing/2014/main" xmlns="" id="{CE402ACC-FC42-49C1-B0CF-63052C2F60E2}"/>
                 </a:ext>
               </a:extLst>
             </p:cNvPr>
@@ -10328,7 +10344,7 @@
           <p:cNvPr id="24" name="제목 2">
             <a:extLst>
               <a:ext uri="{FF2B5EF4-FFF2-40B4-BE49-F238E27FC236}">
-                <a16:creationId xmlns:a16="http://schemas.microsoft.com/office/drawing/2014/main" id="{51116939-259D-4C30-938F-2F38FD5293FA}"/>
+                <a16:creationId xmlns:a16="http://schemas.microsoft.com/office/drawing/2014/main" xmlns="" id="{51116939-259D-4C30-938F-2F38FD5293FA}"/>
               </a:ext>
             </a:extLst>
           </p:cNvPr>
@@ -10380,7 +10396,7 @@
           <p:cNvPr id="11" name="TextBox 10">
             <a:extLst>
               <a:ext uri="{FF2B5EF4-FFF2-40B4-BE49-F238E27FC236}">
-                <a16:creationId xmlns:a16="http://schemas.microsoft.com/office/drawing/2014/main" id="{C4648A06-4252-46D1-A797-787F092D0762}"/>
+                <a16:creationId xmlns:a16="http://schemas.microsoft.com/office/drawing/2014/main" xmlns="" id="{C4648A06-4252-46D1-A797-787F092D0762}"/>
               </a:ext>
             </a:extLst>
           </p:cNvPr>
@@ -10416,7 +10432,7 @@
           <p:cNvPr id="19" name="TextBox 18">
             <a:extLst>
               <a:ext uri="{FF2B5EF4-FFF2-40B4-BE49-F238E27FC236}">
-                <a16:creationId xmlns:a16="http://schemas.microsoft.com/office/drawing/2014/main" id="{477C2C61-1CF4-4D7A-AEB0-57BE85FFF056}"/>
+                <a16:creationId xmlns:a16="http://schemas.microsoft.com/office/drawing/2014/main" xmlns="" id="{477C2C61-1CF4-4D7A-AEB0-57BE85FFF056}"/>
               </a:ext>
             </a:extLst>
           </p:cNvPr>
@@ -10548,7 +10564,7 @@
           <p:cNvPr id="26" name="그림 25">
             <a:extLst>
               <a:ext uri="{FF2B5EF4-FFF2-40B4-BE49-F238E27FC236}">
-                <a16:creationId xmlns:a16="http://schemas.microsoft.com/office/drawing/2014/main" id="{957E7139-3A41-4E52-AA5B-1C9746430F3F}"/>
+                <a16:creationId xmlns:a16="http://schemas.microsoft.com/office/drawing/2014/main" xmlns="" id="{957E7139-3A41-4E52-AA5B-1C9746430F3F}"/>
               </a:ext>
             </a:extLst>
           </p:cNvPr>
@@ -10601,7 +10617,7 @@
           <p:cNvPr id="28" name="그림 27">
             <a:extLst>
               <a:ext uri="{FF2B5EF4-FFF2-40B4-BE49-F238E27FC236}">
-                <a16:creationId xmlns:a16="http://schemas.microsoft.com/office/drawing/2014/main" id="{E36CFD56-1B8D-4136-9D2D-AD75736ACD59}"/>
+                <a16:creationId xmlns:a16="http://schemas.microsoft.com/office/drawing/2014/main" xmlns="" id="{E36CFD56-1B8D-4136-9D2D-AD75736ACD59}"/>
               </a:ext>
             </a:extLst>
           </p:cNvPr>
@@ -10654,7 +10670,7 @@
           <p:cNvPr id="32" name="TextBox 31">
             <a:extLst>
               <a:ext uri="{FF2B5EF4-FFF2-40B4-BE49-F238E27FC236}">
-                <a16:creationId xmlns:a16="http://schemas.microsoft.com/office/drawing/2014/main" id="{27324782-9BD1-4150-A41E-9E44391A6094}"/>
+                <a16:creationId xmlns:a16="http://schemas.microsoft.com/office/drawing/2014/main" xmlns="" id="{27324782-9BD1-4150-A41E-9E44391A6094}"/>
               </a:ext>
             </a:extLst>
           </p:cNvPr>
@@ -10735,7 +10751,7 @@
           <p:cNvPr id="35" name="그룹 34">
             <a:extLst>
               <a:ext uri="{FF2B5EF4-FFF2-40B4-BE49-F238E27FC236}">
-                <a16:creationId xmlns:a16="http://schemas.microsoft.com/office/drawing/2014/main" id="{B882A00D-0E9D-43BE-92BC-92E841B51E5A}"/>
+                <a16:creationId xmlns:a16="http://schemas.microsoft.com/office/drawing/2014/main" xmlns="" id="{B882A00D-0E9D-43BE-92BC-92E841B51E5A}"/>
               </a:ext>
             </a:extLst>
           </p:cNvPr>
@@ -10755,7 +10771,7 @@
             <p:cNvPr id="36" name="그룹 35">
               <a:extLst>
                 <a:ext uri="{FF2B5EF4-FFF2-40B4-BE49-F238E27FC236}">
-                  <a16:creationId xmlns:a16="http://schemas.microsoft.com/office/drawing/2014/main" id="{1DF12B3D-01F8-45AC-A45B-29BFA4FE2B87}"/>
+                  <a16:creationId xmlns:a16="http://schemas.microsoft.com/office/drawing/2014/main" xmlns="" id="{1DF12B3D-01F8-45AC-A45B-29BFA4FE2B87}"/>
                 </a:ext>
               </a:extLst>
             </p:cNvPr>
@@ -10775,7 +10791,7 @@
               <p:cNvPr id="42" name="모서리가 둥근 직사각형 7">
                 <a:extLst>
                   <a:ext uri="{FF2B5EF4-FFF2-40B4-BE49-F238E27FC236}">
-                    <a16:creationId xmlns:a16="http://schemas.microsoft.com/office/drawing/2014/main" id="{796D9096-1544-4181-AC13-93EDBC0BD069}"/>
+                    <a16:creationId xmlns:a16="http://schemas.microsoft.com/office/drawing/2014/main" xmlns="" id="{796D9096-1544-4181-AC13-93EDBC0BD069}"/>
                   </a:ext>
                 </a:extLst>
               </p:cNvPr>
@@ -10835,7 +10851,7 @@
               <p:cNvPr id="43" name="모서리가 둥근 직사각형 8">
                 <a:extLst>
                   <a:ext uri="{FF2B5EF4-FFF2-40B4-BE49-F238E27FC236}">
-                    <a16:creationId xmlns:a16="http://schemas.microsoft.com/office/drawing/2014/main" id="{69810DB0-31AC-4299-92CE-AE0EFE935B85}"/>
+                    <a16:creationId xmlns:a16="http://schemas.microsoft.com/office/drawing/2014/main" xmlns="" id="{69810DB0-31AC-4299-92CE-AE0EFE935B85}"/>
                   </a:ext>
                 </a:extLst>
               </p:cNvPr>
@@ -10895,7 +10911,7 @@
               <p:cNvPr id="44" name="모서리가 둥근 직사각형 9">
                 <a:extLst>
                   <a:ext uri="{FF2B5EF4-FFF2-40B4-BE49-F238E27FC236}">
-                    <a16:creationId xmlns:a16="http://schemas.microsoft.com/office/drawing/2014/main" id="{F3490792-14D7-49C9-BB6F-E65BF949A37F}"/>
+                    <a16:creationId xmlns:a16="http://schemas.microsoft.com/office/drawing/2014/main" xmlns="" id="{F3490792-14D7-49C9-BB6F-E65BF949A37F}"/>
                   </a:ext>
                 </a:extLst>
               </p:cNvPr>
@@ -10956,7 +10972,7 @@
             <p:cNvPr id="37" name="제목 6">
               <a:extLst>
                 <a:ext uri="{FF2B5EF4-FFF2-40B4-BE49-F238E27FC236}">
-                  <a16:creationId xmlns:a16="http://schemas.microsoft.com/office/drawing/2014/main" id="{23A905C9-EE62-43C1-A80D-84214A40BD51}"/>
+                  <a16:creationId xmlns:a16="http://schemas.microsoft.com/office/drawing/2014/main" xmlns="" id="{23A905C9-EE62-43C1-A80D-84214A40BD51}"/>
                 </a:ext>
               </a:extLst>
             </p:cNvPr>
@@ -11023,7 +11039,7 @@
             <p:cNvPr id="38" name="제목 6">
               <a:extLst>
                 <a:ext uri="{FF2B5EF4-FFF2-40B4-BE49-F238E27FC236}">
-                  <a16:creationId xmlns:a16="http://schemas.microsoft.com/office/drawing/2014/main" id="{E47D7F9F-C8B7-4FD0-B3C9-6D4BB486FB6F}"/>
+                  <a16:creationId xmlns:a16="http://schemas.microsoft.com/office/drawing/2014/main" xmlns="" id="{E47D7F9F-C8B7-4FD0-B3C9-6D4BB486FB6F}"/>
                 </a:ext>
               </a:extLst>
             </p:cNvPr>
@@ -11090,7 +11106,7 @@
             <p:cNvPr id="39" name="제목 6">
               <a:extLst>
                 <a:ext uri="{FF2B5EF4-FFF2-40B4-BE49-F238E27FC236}">
-                  <a16:creationId xmlns:a16="http://schemas.microsoft.com/office/drawing/2014/main" id="{C601924A-8C85-4A30-821C-64EF8BD26985}"/>
+                  <a16:creationId xmlns:a16="http://schemas.microsoft.com/office/drawing/2014/main" xmlns="" id="{C601924A-8C85-4A30-821C-64EF8BD26985}"/>
                 </a:ext>
               </a:extLst>
             </p:cNvPr>
@@ -11157,7 +11173,7 @@
             <p:cNvPr id="40" name="사각형: 둥근 모서리 39">
               <a:extLst>
                 <a:ext uri="{FF2B5EF4-FFF2-40B4-BE49-F238E27FC236}">
-                  <a16:creationId xmlns:a16="http://schemas.microsoft.com/office/drawing/2014/main" id="{C2D9F793-FF39-43CF-8696-F688B6DF3F7E}"/>
+                  <a16:creationId xmlns:a16="http://schemas.microsoft.com/office/drawing/2014/main" xmlns="" id="{C2D9F793-FF39-43CF-8696-F688B6DF3F7E}"/>
                 </a:ext>
               </a:extLst>
             </p:cNvPr>
@@ -11233,7 +11249,7 @@
             <p:cNvPr id="41" name="직사각형 40">
               <a:extLst>
                 <a:ext uri="{FF2B5EF4-FFF2-40B4-BE49-F238E27FC236}">
-                  <a16:creationId xmlns:a16="http://schemas.microsoft.com/office/drawing/2014/main" id="{FF828456-9694-4FC8-8336-F53C60137C00}"/>
+                  <a16:creationId xmlns:a16="http://schemas.microsoft.com/office/drawing/2014/main" xmlns="" id="{FF828456-9694-4FC8-8336-F53C60137C00}"/>
                 </a:ext>
               </a:extLst>
             </p:cNvPr>
@@ -11319,7 +11335,7 @@
           <p:cNvPr id="24" name="제목 2">
             <a:extLst>
               <a:ext uri="{FF2B5EF4-FFF2-40B4-BE49-F238E27FC236}">
-                <a16:creationId xmlns:a16="http://schemas.microsoft.com/office/drawing/2014/main" id="{51116939-259D-4C30-938F-2F38FD5293FA}"/>
+                <a16:creationId xmlns:a16="http://schemas.microsoft.com/office/drawing/2014/main" xmlns="" id="{51116939-259D-4C30-938F-2F38FD5293FA}"/>
               </a:ext>
             </a:extLst>
           </p:cNvPr>
@@ -11371,7 +11387,7 @@
           <p:cNvPr id="11" name="TextBox 10">
             <a:extLst>
               <a:ext uri="{FF2B5EF4-FFF2-40B4-BE49-F238E27FC236}">
-                <a16:creationId xmlns:a16="http://schemas.microsoft.com/office/drawing/2014/main" id="{C4648A06-4252-46D1-A797-787F092D0762}"/>
+                <a16:creationId xmlns:a16="http://schemas.microsoft.com/office/drawing/2014/main" xmlns="" id="{C4648A06-4252-46D1-A797-787F092D0762}"/>
               </a:ext>
             </a:extLst>
           </p:cNvPr>
@@ -11407,7 +11423,7 @@
           <p:cNvPr id="3" name="그룹 2">
             <a:extLst>
               <a:ext uri="{FF2B5EF4-FFF2-40B4-BE49-F238E27FC236}">
-                <a16:creationId xmlns:a16="http://schemas.microsoft.com/office/drawing/2014/main" id="{E3C859FF-5C02-4355-BF12-B234F58E38CB}"/>
+                <a16:creationId xmlns:a16="http://schemas.microsoft.com/office/drawing/2014/main" xmlns="" id="{E3C859FF-5C02-4355-BF12-B234F58E38CB}"/>
               </a:ext>
             </a:extLst>
           </p:cNvPr>
@@ -11427,7 +11443,7 @@
             <p:cNvPr id="5" name="그림 4">
               <a:extLst>
                 <a:ext uri="{FF2B5EF4-FFF2-40B4-BE49-F238E27FC236}">
-                  <a16:creationId xmlns:a16="http://schemas.microsoft.com/office/drawing/2014/main" id="{ED5FB831-A5A2-4F54-BE94-7A88E06BD1D6}"/>
+                  <a16:creationId xmlns:a16="http://schemas.microsoft.com/office/drawing/2014/main" xmlns="" id="{ED5FB831-A5A2-4F54-BE94-7A88E06BD1D6}"/>
                 </a:ext>
               </a:extLst>
             </p:cNvPr>
@@ -11479,7 +11495,7 @@
             <p:cNvPr id="8" name="그림 7">
               <a:extLst>
                 <a:ext uri="{FF2B5EF4-FFF2-40B4-BE49-F238E27FC236}">
-                  <a16:creationId xmlns:a16="http://schemas.microsoft.com/office/drawing/2014/main" id="{CE162592-5B1F-4354-AAD0-1232D930DD08}"/>
+                  <a16:creationId xmlns:a16="http://schemas.microsoft.com/office/drawing/2014/main" xmlns="" id="{CE162592-5B1F-4354-AAD0-1232D930DD08}"/>
                 </a:ext>
               </a:extLst>
             </p:cNvPr>
@@ -11532,7 +11548,7 @@
           <p:cNvPr id="17" name="TextBox 16">
             <a:extLst>
               <a:ext uri="{FF2B5EF4-FFF2-40B4-BE49-F238E27FC236}">
-                <a16:creationId xmlns:a16="http://schemas.microsoft.com/office/drawing/2014/main" id="{D16B623B-5DEE-4C0A-980B-619301784941}"/>
+                <a16:creationId xmlns:a16="http://schemas.microsoft.com/office/drawing/2014/main" xmlns="" id="{D16B623B-5DEE-4C0A-980B-619301784941}"/>
               </a:ext>
             </a:extLst>
           </p:cNvPr>
@@ -11691,7 +11707,7 @@
           <p:cNvPr id="6" name="그림 5">
             <a:extLst>
               <a:ext uri="{FF2B5EF4-FFF2-40B4-BE49-F238E27FC236}">
-                <a16:creationId xmlns:a16="http://schemas.microsoft.com/office/drawing/2014/main" id="{468EACB0-F982-4184-8BDC-41FD92BC92B8}"/>
+                <a16:creationId xmlns:a16="http://schemas.microsoft.com/office/drawing/2014/main" xmlns="" id="{468EACB0-F982-4184-8BDC-41FD92BC92B8}"/>
               </a:ext>
             </a:extLst>
           </p:cNvPr>
@@ -11744,7 +11760,7 @@
           <p:cNvPr id="32" name="그룹 31">
             <a:extLst>
               <a:ext uri="{FF2B5EF4-FFF2-40B4-BE49-F238E27FC236}">
-                <a16:creationId xmlns:a16="http://schemas.microsoft.com/office/drawing/2014/main" id="{8D52C400-3CEE-44D4-8643-2164BF6DC7E1}"/>
+                <a16:creationId xmlns:a16="http://schemas.microsoft.com/office/drawing/2014/main" xmlns="" id="{8D52C400-3CEE-44D4-8643-2164BF6DC7E1}"/>
               </a:ext>
             </a:extLst>
           </p:cNvPr>
@@ -11764,7 +11780,7 @@
             <p:cNvPr id="33" name="그룹 32">
               <a:extLst>
                 <a:ext uri="{FF2B5EF4-FFF2-40B4-BE49-F238E27FC236}">
-                  <a16:creationId xmlns:a16="http://schemas.microsoft.com/office/drawing/2014/main" id="{CD573E97-9E8D-4681-BE64-0AA3BC41F7C7}"/>
+                  <a16:creationId xmlns:a16="http://schemas.microsoft.com/office/drawing/2014/main" xmlns="" id="{CD573E97-9E8D-4681-BE64-0AA3BC41F7C7}"/>
                 </a:ext>
               </a:extLst>
             </p:cNvPr>
@@ -11784,7 +11800,7 @@
               <p:cNvPr id="39" name="모서리가 둥근 직사각형 7">
                 <a:extLst>
                   <a:ext uri="{FF2B5EF4-FFF2-40B4-BE49-F238E27FC236}">
-                    <a16:creationId xmlns:a16="http://schemas.microsoft.com/office/drawing/2014/main" id="{3210894B-C37A-4BC7-B077-0B576C0A5029}"/>
+                    <a16:creationId xmlns:a16="http://schemas.microsoft.com/office/drawing/2014/main" xmlns="" id="{3210894B-C37A-4BC7-B077-0B576C0A5029}"/>
                   </a:ext>
                 </a:extLst>
               </p:cNvPr>
@@ -11844,7 +11860,7 @@
               <p:cNvPr id="40" name="모서리가 둥근 직사각형 8">
                 <a:extLst>
                   <a:ext uri="{FF2B5EF4-FFF2-40B4-BE49-F238E27FC236}">
-                    <a16:creationId xmlns:a16="http://schemas.microsoft.com/office/drawing/2014/main" id="{A0F8ED1A-9306-40D1-817C-9580CE1E5A8E}"/>
+                    <a16:creationId xmlns:a16="http://schemas.microsoft.com/office/drawing/2014/main" xmlns="" id="{A0F8ED1A-9306-40D1-817C-9580CE1E5A8E}"/>
                   </a:ext>
                 </a:extLst>
               </p:cNvPr>
@@ -11904,7 +11920,7 @@
               <p:cNvPr id="41" name="모서리가 둥근 직사각형 9">
                 <a:extLst>
                   <a:ext uri="{FF2B5EF4-FFF2-40B4-BE49-F238E27FC236}">
-                    <a16:creationId xmlns:a16="http://schemas.microsoft.com/office/drawing/2014/main" id="{490C24D8-1198-49DC-B787-316B4E4C6FD3}"/>
+                    <a16:creationId xmlns:a16="http://schemas.microsoft.com/office/drawing/2014/main" xmlns="" id="{490C24D8-1198-49DC-B787-316B4E4C6FD3}"/>
                   </a:ext>
                 </a:extLst>
               </p:cNvPr>
@@ -11965,7 +11981,7 @@
             <p:cNvPr id="34" name="제목 6">
               <a:extLst>
                 <a:ext uri="{FF2B5EF4-FFF2-40B4-BE49-F238E27FC236}">
-                  <a16:creationId xmlns:a16="http://schemas.microsoft.com/office/drawing/2014/main" id="{ACBD8116-D3CB-42F2-87FC-3ABE26DB8867}"/>
+                  <a16:creationId xmlns:a16="http://schemas.microsoft.com/office/drawing/2014/main" xmlns="" id="{ACBD8116-D3CB-42F2-87FC-3ABE26DB8867}"/>
                 </a:ext>
               </a:extLst>
             </p:cNvPr>
@@ -12032,7 +12048,7 @@
             <p:cNvPr id="35" name="제목 6">
               <a:extLst>
                 <a:ext uri="{FF2B5EF4-FFF2-40B4-BE49-F238E27FC236}">
-                  <a16:creationId xmlns:a16="http://schemas.microsoft.com/office/drawing/2014/main" id="{394700FD-BE6C-4403-8727-3EADDC1E259C}"/>
+                  <a16:creationId xmlns:a16="http://schemas.microsoft.com/office/drawing/2014/main" xmlns="" id="{394700FD-BE6C-4403-8727-3EADDC1E259C}"/>
                 </a:ext>
               </a:extLst>
             </p:cNvPr>
@@ -12099,7 +12115,7 @@
             <p:cNvPr id="36" name="제목 6">
               <a:extLst>
                 <a:ext uri="{FF2B5EF4-FFF2-40B4-BE49-F238E27FC236}">
-                  <a16:creationId xmlns:a16="http://schemas.microsoft.com/office/drawing/2014/main" id="{6B8A814D-FD8A-4101-9B36-70B083CAB51A}"/>
+                  <a16:creationId xmlns:a16="http://schemas.microsoft.com/office/drawing/2014/main" xmlns="" id="{6B8A814D-FD8A-4101-9B36-70B083CAB51A}"/>
                 </a:ext>
               </a:extLst>
             </p:cNvPr>
@@ -12166,7 +12182,7 @@
             <p:cNvPr id="37" name="사각형: 둥근 모서리 36">
               <a:extLst>
                 <a:ext uri="{FF2B5EF4-FFF2-40B4-BE49-F238E27FC236}">
-                  <a16:creationId xmlns:a16="http://schemas.microsoft.com/office/drawing/2014/main" id="{02EAAC08-9E88-4683-8F20-7B2B891D6BAA}"/>
+                  <a16:creationId xmlns:a16="http://schemas.microsoft.com/office/drawing/2014/main" xmlns="" id="{02EAAC08-9E88-4683-8F20-7B2B891D6BAA}"/>
                 </a:ext>
               </a:extLst>
             </p:cNvPr>
@@ -12242,7 +12258,7 @@
             <p:cNvPr id="38" name="직사각형 37">
               <a:extLst>
                 <a:ext uri="{FF2B5EF4-FFF2-40B4-BE49-F238E27FC236}">
-                  <a16:creationId xmlns:a16="http://schemas.microsoft.com/office/drawing/2014/main" id="{7370E3CF-8ABB-44BE-BDE5-4E2474649B80}"/>
+                  <a16:creationId xmlns:a16="http://schemas.microsoft.com/office/drawing/2014/main" xmlns="" id="{7370E3CF-8ABB-44BE-BDE5-4E2474649B80}"/>
                 </a:ext>
               </a:extLst>
             </p:cNvPr>
@@ -12328,7 +12344,7 @@
           <p:cNvPr id="24" name="제목 2">
             <a:extLst>
               <a:ext uri="{FF2B5EF4-FFF2-40B4-BE49-F238E27FC236}">
-                <a16:creationId xmlns:a16="http://schemas.microsoft.com/office/drawing/2014/main" id="{51116939-259D-4C30-938F-2F38FD5293FA}"/>
+                <a16:creationId xmlns:a16="http://schemas.microsoft.com/office/drawing/2014/main" xmlns="" id="{51116939-259D-4C30-938F-2F38FD5293FA}"/>
               </a:ext>
             </a:extLst>
           </p:cNvPr>
@@ -12396,7 +12412,7 @@
           <p:cNvPr id="29" name="TextBox 28">
             <a:extLst>
               <a:ext uri="{FF2B5EF4-FFF2-40B4-BE49-F238E27FC236}">
-                <a16:creationId xmlns:a16="http://schemas.microsoft.com/office/drawing/2014/main" id="{77CAAC4A-82DB-4961-9916-D93F1A0B4804}"/>
+                <a16:creationId xmlns:a16="http://schemas.microsoft.com/office/drawing/2014/main" xmlns="" id="{77CAAC4A-82DB-4961-9916-D93F1A0B4804}"/>
               </a:ext>
             </a:extLst>
           </p:cNvPr>
@@ -12612,7 +12628,7 @@
           <p:cNvPr id="32" name="그룹 31">
             <a:extLst>
               <a:ext uri="{FF2B5EF4-FFF2-40B4-BE49-F238E27FC236}">
-                <a16:creationId xmlns:a16="http://schemas.microsoft.com/office/drawing/2014/main" id="{518653B2-E562-4F36-A0A3-5B42743962C4}"/>
+                <a16:creationId xmlns:a16="http://schemas.microsoft.com/office/drawing/2014/main" xmlns="" id="{518653B2-E562-4F36-A0A3-5B42743962C4}"/>
               </a:ext>
             </a:extLst>
           </p:cNvPr>
@@ -12632,7 +12648,7 @@
             <p:cNvPr id="34" name="그룹 33">
               <a:extLst>
                 <a:ext uri="{FF2B5EF4-FFF2-40B4-BE49-F238E27FC236}">
-                  <a16:creationId xmlns:a16="http://schemas.microsoft.com/office/drawing/2014/main" id="{B21EF48B-F85B-4CE8-9B2C-A8A1CF880DEF}"/>
+                  <a16:creationId xmlns:a16="http://schemas.microsoft.com/office/drawing/2014/main" xmlns="" id="{B21EF48B-F85B-4CE8-9B2C-A8A1CF880DEF}"/>
                 </a:ext>
               </a:extLst>
             </p:cNvPr>
@@ -12652,7 +12668,7 @@
               <p:cNvPr id="40" name="모서리가 둥근 직사각형 7">
                 <a:extLst>
                   <a:ext uri="{FF2B5EF4-FFF2-40B4-BE49-F238E27FC236}">
-                    <a16:creationId xmlns:a16="http://schemas.microsoft.com/office/drawing/2014/main" id="{A571ED54-375E-4E75-82FD-8591E676A5B5}"/>
+                    <a16:creationId xmlns:a16="http://schemas.microsoft.com/office/drawing/2014/main" xmlns="" id="{A571ED54-375E-4E75-82FD-8591E676A5B5}"/>
                   </a:ext>
                 </a:extLst>
               </p:cNvPr>
@@ -12712,7 +12728,7 @@
               <p:cNvPr id="41" name="모서리가 둥근 직사각형 8">
                 <a:extLst>
                   <a:ext uri="{FF2B5EF4-FFF2-40B4-BE49-F238E27FC236}">
-                    <a16:creationId xmlns:a16="http://schemas.microsoft.com/office/drawing/2014/main" id="{E08E110B-07E1-470F-8A39-6AB64D3F09CC}"/>
+                    <a16:creationId xmlns:a16="http://schemas.microsoft.com/office/drawing/2014/main" xmlns="" id="{E08E110B-07E1-470F-8A39-6AB64D3F09CC}"/>
                   </a:ext>
                 </a:extLst>
               </p:cNvPr>
@@ -12772,7 +12788,7 @@
               <p:cNvPr id="42" name="모서리가 둥근 직사각형 9">
                 <a:extLst>
                   <a:ext uri="{FF2B5EF4-FFF2-40B4-BE49-F238E27FC236}">
-                    <a16:creationId xmlns:a16="http://schemas.microsoft.com/office/drawing/2014/main" id="{40A3F1EA-6EAB-4DAE-BBE9-330664F88B1C}"/>
+                    <a16:creationId xmlns:a16="http://schemas.microsoft.com/office/drawing/2014/main" xmlns="" id="{40A3F1EA-6EAB-4DAE-BBE9-330664F88B1C}"/>
                   </a:ext>
                 </a:extLst>
               </p:cNvPr>
@@ -12833,7 +12849,7 @@
             <p:cNvPr id="35" name="제목 6">
               <a:extLst>
                 <a:ext uri="{FF2B5EF4-FFF2-40B4-BE49-F238E27FC236}">
-                  <a16:creationId xmlns:a16="http://schemas.microsoft.com/office/drawing/2014/main" id="{2C6CB59B-A11A-4986-8EAA-33E5AA0AB946}"/>
+                  <a16:creationId xmlns:a16="http://schemas.microsoft.com/office/drawing/2014/main" xmlns="" id="{2C6CB59B-A11A-4986-8EAA-33E5AA0AB946}"/>
                 </a:ext>
               </a:extLst>
             </p:cNvPr>
@@ -12900,7 +12916,7 @@
             <p:cNvPr id="36" name="제목 6">
               <a:extLst>
                 <a:ext uri="{FF2B5EF4-FFF2-40B4-BE49-F238E27FC236}">
-                  <a16:creationId xmlns:a16="http://schemas.microsoft.com/office/drawing/2014/main" id="{317D0BA9-1244-4276-B225-6534E9177719}"/>
+                  <a16:creationId xmlns:a16="http://schemas.microsoft.com/office/drawing/2014/main" xmlns="" id="{317D0BA9-1244-4276-B225-6534E9177719}"/>
                 </a:ext>
               </a:extLst>
             </p:cNvPr>
@@ -12967,7 +12983,7 @@
             <p:cNvPr id="37" name="제목 6">
               <a:extLst>
                 <a:ext uri="{FF2B5EF4-FFF2-40B4-BE49-F238E27FC236}">
-                  <a16:creationId xmlns:a16="http://schemas.microsoft.com/office/drawing/2014/main" id="{2B67802E-9078-40FB-806E-B29A52F5AD66}"/>
+                  <a16:creationId xmlns:a16="http://schemas.microsoft.com/office/drawing/2014/main" xmlns="" id="{2B67802E-9078-40FB-806E-B29A52F5AD66}"/>
                 </a:ext>
               </a:extLst>
             </p:cNvPr>
@@ -13034,7 +13050,7 @@
             <p:cNvPr id="38" name="사각형: 둥근 모서리 37">
               <a:extLst>
                 <a:ext uri="{FF2B5EF4-FFF2-40B4-BE49-F238E27FC236}">
-                  <a16:creationId xmlns:a16="http://schemas.microsoft.com/office/drawing/2014/main" id="{29515CFE-690D-4A38-BB93-C5957DEA61E4}"/>
+                  <a16:creationId xmlns:a16="http://schemas.microsoft.com/office/drawing/2014/main" xmlns="" id="{29515CFE-690D-4A38-BB93-C5957DEA61E4}"/>
                 </a:ext>
               </a:extLst>
             </p:cNvPr>
@@ -13110,7 +13126,7 @@
             <p:cNvPr id="39" name="직사각형 38">
               <a:extLst>
                 <a:ext uri="{FF2B5EF4-FFF2-40B4-BE49-F238E27FC236}">
-                  <a16:creationId xmlns:a16="http://schemas.microsoft.com/office/drawing/2014/main" id="{669FD662-07A3-412A-A247-9C540607EDB2}"/>
+                  <a16:creationId xmlns:a16="http://schemas.microsoft.com/office/drawing/2014/main" xmlns="" id="{669FD662-07A3-412A-A247-9C540607EDB2}"/>
                 </a:ext>
               </a:extLst>
             </p:cNvPr>
@@ -13196,7 +13212,7 @@
           <p:cNvPr id="24" name="제목 2">
             <a:extLst>
               <a:ext uri="{FF2B5EF4-FFF2-40B4-BE49-F238E27FC236}">
-                <a16:creationId xmlns:a16="http://schemas.microsoft.com/office/drawing/2014/main" id="{51116939-259D-4C30-938F-2F38FD5293FA}"/>
+                <a16:creationId xmlns:a16="http://schemas.microsoft.com/office/drawing/2014/main" xmlns="" id="{51116939-259D-4C30-938F-2F38FD5293FA}"/>
               </a:ext>
             </a:extLst>
           </p:cNvPr>
@@ -13248,7 +13264,7 @@
           <p:cNvPr id="14" name="TextBox 13">
             <a:extLst>
               <a:ext uri="{FF2B5EF4-FFF2-40B4-BE49-F238E27FC236}">
-                <a16:creationId xmlns:a16="http://schemas.microsoft.com/office/drawing/2014/main" id="{466B1269-FA8D-455F-859C-C123BC3B047C}"/>
+                <a16:creationId xmlns:a16="http://schemas.microsoft.com/office/drawing/2014/main" xmlns="" id="{466B1269-FA8D-455F-859C-C123BC3B047C}"/>
               </a:ext>
             </a:extLst>
           </p:cNvPr>
@@ -13283,7 +13299,7 @@
           <p:cNvPr id="6" name="그림 5">
             <a:extLst>
               <a:ext uri="{FF2B5EF4-FFF2-40B4-BE49-F238E27FC236}">
-                <a16:creationId xmlns:a16="http://schemas.microsoft.com/office/drawing/2014/main" id="{978CFAB4-0CBD-44C3-B499-AE12B1D6FCB0}"/>
+                <a16:creationId xmlns:a16="http://schemas.microsoft.com/office/drawing/2014/main" xmlns="" id="{978CFAB4-0CBD-44C3-B499-AE12B1D6FCB0}"/>
               </a:ext>
             </a:extLst>
           </p:cNvPr>
@@ -13319,7 +13335,7 @@
           <p:cNvPr id="19" name="TextBox 18">
             <a:extLst>
               <a:ext uri="{FF2B5EF4-FFF2-40B4-BE49-F238E27FC236}">
-                <a16:creationId xmlns:a16="http://schemas.microsoft.com/office/drawing/2014/main" id="{BBC1832E-A6A6-488E-9C1C-DD432D0BA74D}"/>
+                <a16:creationId xmlns:a16="http://schemas.microsoft.com/office/drawing/2014/main" xmlns="" id="{BBC1832E-A6A6-488E-9C1C-DD432D0BA74D}"/>
               </a:ext>
             </a:extLst>
           </p:cNvPr>
@@ -13449,7 +13465,7 @@
           <p:cNvPr id="32" name="그룹 31">
             <a:extLst>
               <a:ext uri="{FF2B5EF4-FFF2-40B4-BE49-F238E27FC236}">
-                <a16:creationId xmlns:a16="http://schemas.microsoft.com/office/drawing/2014/main" id="{5BCA9826-D7F1-4321-B152-4FEB3111EB86}"/>
+                <a16:creationId xmlns:a16="http://schemas.microsoft.com/office/drawing/2014/main" xmlns="" id="{5BCA9826-D7F1-4321-B152-4FEB3111EB86}"/>
               </a:ext>
             </a:extLst>
           </p:cNvPr>
@@ -13469,7 +13485,7 @@
             <p:cNvPr id="33" name="그룹 32">
               <a:extLst>
                 <a:ext uri="{FF2B5EF4-FFF2-40B4-BE49-F238E27FC236}">
-                  <a16:creationId xmlns:a16="http://schemas.microsoft.com/office/drawing/2014/main" id="{EC8C20A2-C2BC-426D-AAA5-26BF58858947}"/>
+                  <a16:creationId xmlns:a16="http://schemas.microsoft.com/office/drawing/2014/main" xmlns="" id="{EC8C20A2-C2BC-426D-AAA5-26BF58858947}"/>
                 </a:ext>
               </a:extLst>
             </p:cNvPr>
@@ -13489,7 +13505,7 @@
               <p:cNvPr id="39" name="모서리가 둥근 직사각형 7">
                 <a:extLst>
                   <a:ext uri="{FF2B5EF4-FFF2-40B4-BE49-F238E27FC236}">
-                    <a16:creationId xmlns:a16="http://schemas.microsoft.com/office/drawing/2014/main" id="{28B06644-6CF2-433A-8846-123467B71C3B}"/>
+                    <a16:creationId xmlns:a16="http://schemas.microsoft.com/office/drawing/2014/main" xmlns="" id="{28B06644-6CF2-433A-8846-123467B71C3B}"/>
                   </a:ext>
                 </a:extLst>
               </p:cNvPr>
@@ -13549,7 +13565,7 @@
               <p:cNvPr id="40" name="모서리가 둥근 직사각형 8">
                 <a:extLst>
                   <a:ext uri="{FF2B5EF4-FFF2-40B4-BE49-F238E27FC236}">
-                    <a16:creationId xmlns:a16="http://schemas.microsoft.com/office/drawing/2014/main" id="{6956E5DB-4868-4FEA-8E59-A9583AEB9753}"/>
+                    <a16:creationId xmlns:a16="http://schemas.microsoft.com/office/drawing/2014/main" xmlns="" id="{6956E5DB-4868-4FEA-8E59-A9583AEB9753}"/>
                   </a:ext>
                 </a:extLst>
               </p:cNvPr>
@@ -13609,7 +13625,7 @@
               <p:cNvPr id="41" name="모서리가 둥근 직사각형 9">
                 <a:extLst>
                   <a:ext uri="{FF2B5EF4-FFF2-40B4-BE49-F238E27FC236}">
-                    <a16:creationId xmlns:a16="http://schemas.microsoft.com/office/drawing/2014/main" id="{ED1D5A8D-892B-431E-A5EC-97E4161D1D58}"/>
+                    <a16:creationId xmlns:a16="http://schemas.microsoft.com/office/drawing/2014/main" xmlns="" id="{ED1D5A8D-892B-431E-A5EC-97E4161D1D58}"/>
                   </a:ext>
                 </a:extLst>
               </p:cNvPr>
@@ -13670,7 +13686,7 @@
             <p:cNvPr id="34" name="제목 6">
               <a:extLst>
                 <a:ext uri="{FF2B5EF4-FFF2-40B4-BE49-F238E27FC236}">
-                  <a16:creationId xmlns:a16="http://schemas.microsoft.com/office/drawing/2014/main" id="{18F55E55-90AF-4F62-B117-80FF929AE61A}"/>
+                  <a16:creationId xmlns:a16="http://schemas.microsoft.com/office/drawing/2014/main" xmlns="" id="{18F55E55-90AF-4F62-B117-80FF929AE61A}"/>
                 </a:ext>
               </a:extLst>
             </p:cNvPr>
@@ -13737,7 +13753,7 @@
             <p:cNvPr id="35" name="제목 6">
               <a:extLst>
                 <a:ext uri="{FF2B5EF4-FFF2-40B4-BE49-F238E27FC236}">
-                  <a16:creationId xmlns:a16="http://schemas.microsoft.com/office/drawing/2014/main" id="{398E85C7-E13D-445F-AAC4-E68F7B4BE7DF}"/>
+                  <a16:creationId xmlns:a16="http://schemas.microsoft.com/office/drawing/2014/main" xmlns="" id="{398E85C7-E13D-445F-AAC4-E68F7B4BE7DF}"/>
                 </a:ext>
               </a:extLst>
             </p:cNvPr>
@@ -13804,7 +13820,7 @@
             <p:cNvPr id="36" name="제목 6">
               <a:extLst>
                 <a:ext uri="{FF2B5EF4-FFF2-40B4-BE49-F238E27FC236}">
-                  <a16:creationId xmlns:a16="http://schemas.microsoft.com/office/drawing/2014/main" id="{D518C58E-B866-42BF-A3B1-7C27BEC4C32A}"/>
+                  <a16:creationId xmlns:a16="http://schemas.microsoft.com/office/drawing/2014/main" xmlns="" id="{D518C58E-B866-42BF-A3B1-7C27BEC4C32A}"/>
                 </a:ext>
               </a:extLst>
             </p:cNvPr>
@@ -13871,7 +13887,7 @@
             <p:cNvPr id="37" name="사각형: 둥근 모서리 36">
               <a:extLst>
                 <a:ext uri="{FF2B5EF4-FFF2-40B4-BE49-F238E27FC236}">
-                  <a16:creationId xmlns:a16="http://schemas.microsoft.com/office/drawing/2014/main" id="{E2A288E9-A243-4CA9-8DDB-DD57F33D7BC9}"/>
+                  <a16:creationId xmlns:a16="http://schemas.microsoft.com/office/drawing/2014/main" xmlns="" id="{E2A288E9-A243-4CA9-8DDB-DD57F33D7BC9}"/>
                 </a:ext>
               </a:extLst>
             </p:cNvPr>
@@ -13947,7 +13963,7 @@
             <p:cNvPr id="38" name="직사각형 37">
               <a:extLst>
                 <a:ext uri="{FF2B5EF4-FFF2-40B4-BE49-F238E27FC236}">
-                  <a16:creationId xmlns:a16="http://schemas.microsoft.com/office/drawing/2014/main" id="{154ECC44-6ABF-4E9A-A265-036C5E4DA9C6}"/>
+                  <a16:creationId xmlns:a16="http://schemas.microsoft.com/office/drawing/2014/main" xmlns="" id="{154ECC44-6ABF-4E9A-A265-036C5E4DA9C6}"/>
                 </a:ext>
               </a:extLst>
             </p:cNvPr>
@@ -14033,7 +14049,7 @@
           <p:cNvPr id="24" name="제목 2">
             <a:extLst>
               <a:ext uri="{FF2B5EF4-FFF2-40B4-BE49-F238E27FC236}">
-                <a16:creationId xmlns:a16="http://schemas.microsoft.com/office/drawing/2014/main" id="{51116939-259D-4C30-938F-2F38FD5293FA}"/>
+                <a16:creationId xmlns:a16="http://schemas.microsoft.com/office/drawing/2014/main" xmlns="" id="{51116939-259D-4C30-938F-2F38FD5293FA}"/>
               </a:ext>
             </a:extLst>
           </p:cNvPr>
@@ -14115,7 +14131,7 @@
           <p:cNvPr id="7" name="TextBox 6">
             <a:extLst>
               <a:ext uri="{FF2B5EF4-FFF2-40B4-BE49-F238E27FC236}">
-                <a16:creationId xmlns:a16="http://schemas.microsoft.com/office/drawing/2014/main" id="{14FC7414-68FB-4FC2-8D29-8FC744D41F44}"/>
+                <a16:creationId xmlns:a16="http://schemas.microsoft.com/office/drawing/2014/main" xmlns="" id="{14FC7414-68FB-4FC2-8D29-8FC744D41F44}"/>
               </a:ext>
             </a:extLst>
           </p:cNvPr>
@@ -14188,7 +14204,7 @@
           <p:cNvPr id="11" name="TextBox 10">
             <a:extLst>
               <a:ext uri="{FF2B5EF4-FFF2-40B4-BE49-F238E27FC236}">
-                <a16:creationId xmlns:a16="http://schemas.microsoft.com/office/drawing/2014/main" id="{C4648A06-4252-46D1-A797-787F092D0762}"/>
+                <a16:creationId xmlns:a16="http://schemas.microsoft.com/office/drawing/2014/main" xmlns="" id="{C4648A06-4252-46D1-A797-787F092D0762}"/>
               </a:ext>
             </a:extLst>
           </p:cNvPr>
@@ -14223,7 +14239,7 @@
           <p:cNvPr id="31" name="그룹 30">
             <a:extLst>
               <a:ext uri="{FF2B5EF4-FFF2-40B4-BE49-F238E27FC236}">
-                <a16:creationId xmlns:a16="http://schemas.microsoft.com/office/drawing/2014/main" id="{D1BBDE6B-046D-41BA-9FD5-674AC691DE56}"/>
+                <a16:creationId xmlns:a16="http://schemas.microsoft.com/office/drawing/2014/main" xmlns="" id="{D1BBDE6B-046D-41BA-9FD5-674AC691DE56}"/>
               </a:ext>
             </a:extLst>
           </p:cNvPr>
@@ -14243,7 +14259,7 @@
             <p:cNvPr id="32" name="그룹 31">
               <a:extLst>
                 <a:ext uri="{FF2B5EF4-FFF2-40B4-BE49-F238E27FC236}">
-                  <a16:creationId xmlns:a16="http://schemas.microsoft.com/office/drawing/2014/main" id="{70D0EFCA-827D-4E71-9567-6A224AC4DEB5}"/>
+                  <a16:creationId xmlns:a16="http://schemas.microsoft.com/office/drawing/2014/main" xmlns="" id="{70D0EFCA-827D-4E71-9567-6A224AC4DEB5}"/>
                 </a:ext>
               </a:extLst>
             </p:cNvPr>
@@ -14263,7 +14279,7 @@
               <p:cNvPr id="38" name="모서리가 둥근 직사각형 7">
                 <a:extLst>
                   <a:ext uri="{FF2B5EF4-FFF2-40B4-BE49-F238E27FC236}">
-                    <a16:creationId xmlns:a16="http://schemas.microsoft.com/office/drawing/2014/main" id="{5B2E3BCC-5D7C-4570-AC48-4CDF2480E53C}"/>
+                    <a16:creationId xmlns:a16="http://schemas.microsoft.com/office/drawing/2014/main" xmlns="" id="{5B2E3BCC-5D7C-4570-AC48-4CDF2480E53C}"/>
                   </a:ext>
                 </a:extLst>
               </p:cNvPr>
@@ -14323,7 +14339,7 @@
               <p:cNvPr id="39" name="모서리가 둥근 직사각형 8">
                 <a:extLst>
                   <a:ext uri="{FF2B5EF4-FFF2-40B4-BE49-F238E27FC236}">
-                    <a16:creationId xmlns:a16="http://schemas.microsoft.com/office/drawing/2014/main" id="{B4320951-7774-4A95-93AB-08588E1F3695}"/>
+                    <a16:creationId xmlns:a16="http://schemas.microsoft.com/office/drawing/2014/main" xmlns="" id="{B4320951-7774-4A95-93AB-08588E1F3695}"/>
                   </a:ext>
                 </a:extLst>
               </p:cNvPr>
@@ -14383,7 +14399,7 @@
               <p:cNvPr id="40" name="모서리가 둥근 직사각형 9">
                 <a:extLst>
                   <a:ext uri="{FF2B5EF4-FFF2-40B4-BE49-F238E27FC236}">
-                    <a16:creationId xmlns:a16="http://schemas.microsoft.com/office/drawing/2014/main" id="{23288B4E-389A-42B4-B37D-3C54097DCC40}"/>
+                    <a16:creationId xmlns:a16="http://schemas.microsoft.com/office/drawing/2014/main" xmlns="" id="{23288B4E-389A-42B4-B37D-3C54097DCC40}"/>
                   </a:ext>
                 </a:extLst>
               </p:cNvPr>
@@ -14444,7 +14460,7 @@
             <p:cNvPr id="33" name="제목 6">
               <a:extLst>
                 <a:ext uri="{FF2B5EF4-FFF2-40B4-BE49-F238E27FC236}">
-                  <a16:creationId xmlns:a16="http://schemas.microsoft.com/office/drawing/2014/main" id="{B6F78CA0-5492-4399-94C3-4C2466F50589}"/>
+                  <a16:creationId xmlns:a16="http://schemas.microsoft.com/office/drawing/2014/main" xmlns="" id="{B6F78CA0-5492-4399-94C3-4C2466F50589}"/>
                 </a:ext>
               </a:extLst>
             </p:cNvPr>
@@ -14511,7 +14527,7 @@
             <p:cNvPr id="34" name="제목 6">
               <a:extLst>
                 <a:ext uri="{FF2B5EF4-FFF2-40B4-BE49-F238E27FC236}">
-                  <a16:creationId xmlns:a16="http://schemas.microsoft.com/office/drawing/2014/main" id="{C9BEAEC5-4B6A-404E-8CCB-7A8DCC431219}"/>
+                  <a16:creationId xmlns:a16="http://schemas.microsoft.com/office/drawing/2014/main" xmlns="" id="{C9BEAEC5-4B6A-404E-8CCB-7A8DCC431219}"/>
                 </a:ext>
               </a:extLst>
             </p:cNvPr>
@@ -14578,7 +14594,7 @@
             <p:cNvPr id="35" name="제목 6">
               <a:extLst>
                 <a:ext uri="{FF2B5EF4-FFF2-40B4-BE49-F238E27FC236}">
-                  <a16:creationId xmlns:a16="http://schemas.microsoft.com/office/drawing/2014/main" id="{234ECBDC-940E-4A4B-90C1-09D1ECF11BA3}"/>
+                  <a16:creationId xmlns:a16="http://schemas.microsoft.com/office/drawing/2014/main" xmlns="" id="{234ECBDC-940E-4A4B-90C1-09D1ECF11BA3}"/>
                 </a:ext>
               </a:extLst>
             </p:cNvPr>
@@ -14645,7 +14661,7 @@
             <p:cNvPr id="36" name="사각형: 둥근 모서리 35">
               <a:extLst>
                 <a:ext uri="{FF2B5EF4-FFF2-40B4-BE49-F238E27FC236}">
-                  <a16:creationId xmlns:a16="http://schemas.microsoft.com/office/drawing/2014/main" id="{0CED878E-D863-4EEB-9781-9608C19224B5}"/>
+                  <a16:creationId xmlns:a16="http://schemas.microsoft.com/office/drawing/2014/main" xmlns="" id="{0CED878E-D863-4EEB-9781-9608C19224B5}"/>
                 </a:ext>
               </a:extLst>
             </p:cNvPr>
@@ -14721,7 +14737,7 @@
             <p:cNvPr id="37" name="직사각형 36">
               <a:extLst>
                 <a:ext uri="{FF2B5EF4-FFF2-40B4-BE49-F238E27FC236}">
-                  <a16:creationId xmlns:a16="http://schemas.microsoft.com/office/drawing/2014/main" id="{2A165149-A0A1-4B4C-9FBC-048520B7ACBA}"/>
+                  <a16:creationId xmlns:a16="http://schemas.microsoft.com/office/drawing/2014/main" xmlns="" id="{2A165149-A0A1-4B4C-9FBC-048520B7ACBA}"/>
                 </a:ext>
               </a:extLst>
             </p:cNvPr>
